--- a/Lectures/In Class/Membrane Filtration.pptx
+++ b/Lectures/In Class/Membrane Filtration.pptx
@@ -5,26 +5,33 @@
     <p:sldMasterId id="2147483730" r:id="rId1"/>
   </p:sldMasterIdLst>
   <p:notesMasterIdLst>
-    <p:notesMasterId r:id="rId16"/>
+    <p:notesMasterId r:id="rId23"/>
   </p:notesMasterIdLst>
   <p:handoutMasterIdLst>
-    <p:handoutMasterId r:id="rId17"/>
+    <p:handoutMasterId r:id="rId24"/>
   </p:handoutMasterIdLst>
   <p:sldIdLst>
     <p:sldId id="256" r:id="rId2"/>
-    <p:sldId id="257" r:id="rId3"/>
-    <p:sldId id="259" r:id="rId4"/>
-    <p:sldId id="260" r:id="rId5"/>
-    <p:sldId id="261" r:id="rId6"/>
-    <p:sldId id="262" r:id="rId7"/>
-    <p:sldId id="263" r:id="rId8"/>
-    <p:sldId id="264" r:id="rId9"/>
-    <p:sldId id="267" r:id="rId10"/>
-    <p:sldId id="266" r:id="rId11"/>
-    <p:sldId id="265" r:id="rId12"/>
-    <p:sldId id="268" r:id="rId13"/>
-    <p:sldId id="269" r:id="rId14"/>
-    <p:sldId id="270" r:id="rId15"/>
+    <p:sldId id="272" r:id="rId3"/>
+    <p:sldId id="257" r:id="rId4"/>
+    <p:sldId id="259" r:id="rId5"/>
+    <p:sldId id="260" r:id="rId6"/>
+    <p:sldId id="261" r:id="rId7"/>
+    <p:sldId id="262" r:id="rId8"/>
+    <p:sldId id="263" r:id="rId9"/>
+    <p:sldId id="264" r:id="rId10"/>
+    <p:sldId id="267" r:id="rId11"/>
+    <p:sldId id="266" r:id="rId12"/>
+    <p:sldId id="275" r:id="rId13"/>
+    <p:sldId id="265" r:id="rId14"/>
+    <p:sldId id="268" r:id="rId15"/>
+    <p:sldId id="269" r:id="rId16"/>
+    <p:sldId id="270" r:id="rId17"/>
+    <p:sldId id="274" r:id="rId18"/>
+    <p:sldId id="271" r:id="rId19"/>
+    <p:sldId id="273" r:id="rId20"/>
+    <p:sldId id="276" r:id="rId21"/>
+    <p:sldId id="277" r:id="rId22"/>
   </p:sldIdLst>
   <p:sldSz cx="9144000" cy="6858000" type="screen4x3"/>
   <p:notesSz cx="7315200" cy="9601200"/>
@@ -1306,7 +1313,7 @@
             <a:fld id="{F6B90027-AD36-416E-8B0F-CCCC7E8FF223}" type="slidenum">
               <a:rPr lang="en-US" smtClean="0"/>
               <a:pPr/>
-              <a:t>2</a:t>
+              <a:t>3</a:t>
             </a:fld>
             <a:endParaRPr lang="en-US"/>
           </a:p>
@@ -1439,7 +1446,7 @@
             <a:fld id="{F6B90027-AD36-416E-8B0F-CCCC7E8FF223}" type="slidenum">
               <a:rPr lang="en-US" smtClean="0"/>
               <a:pPr/>
-              <a:t>3</a:t>
+              <a:t>4</a:t>
             </a:fld>
             <a:endParaRPr lang="en-US"/>
           </a:p>
@@ -1588,7 +1595,7 @@
             <a:fld id="{F6B90027-AD36-416E-8B0F-CCCC7E8FF223}" type="slidenum">
               <a:rPr lang="en-US" smtClean="0"/>
               <a:pPr/>
-              <a:t>4</a:t>
+              <a:t>5</a:t>
             </a:fld>
             <a:endParaRPr lang="en-US"/>
           </a:p>
@@ -1679,7 +1686,7 @@
             <a:fld id="{F6B90027-AD36-416E-8B0F-CCCC7E8FF223}" type="slidenum">
               <a:rPr lang="en-US" smtClean="0"/>
               <a:pPr/>
-              <a:t>7</a:t>
+              <a:t>8</a:t>
             </a:fld>
             <a:endParaRPr lang="en-US"/>
           </a:p>
@@ -1770,7 +1777,7 @@
             <a:fld id="{F6B90027-AD36-416E-8B0F-CCCC7E8FF223}" type="slidenum">
               <a:rPr lang="en-US" smtClean="0"/>
               <a:pPr/>
-              <a:t>11</a:t>
+              <a:t>13</a:t>
             </a:fld>
             <a:endParaRPr lang="en-US"/>
           </a:p>
@@ -2009,9 +2016,72 @@
               </a:rPr>
               <a:t>Flocculation/Sedimentation $2,607,785</a:t>
             </a:r>
+          </a:p>
+          <a:p>
+            <a:endParaRPr lang="en-US" sz="1200" b="0" i="0" kern="1200" dirty="0" smtClean="0">
+              <a:solidFill>
+                <a:schemeClr val="tx1"/>
+              </a:solidFill>
+              <a:effectLst/>
+              <a:latin typeface="Arial" pitchFamily="34" charset="0"/>
+              <a:ea typeface="+mn-ea"/>
+              <a:cs typeface="+mn-cs"/>
+            </a:endParaRPr>
+          </a:p>
+          <a:p>
+            <a:r>
+              <a:rPr lang="en-US" sz="1200" b="0" i="0" kern="1200" dirty="0" smtClean="0">
+                <a:solidFill>
+                  <a:schemeClr val="tx1"/>
+                </a:solidFill>
+                <a:effectLst/>
+                <a:latin typeface="Arial" pitchFamily="34" charset="0"/>
+                <a:ea typeface="+mn-ea"/>
+                <a:cs typeface="+mn-cs"/>
+              </a:rPr>
+              <a:t>2017 down to 6 </a:t>
+            </a:r>
+            <a:r>
+              <a:rPr lang="en-US" sz="1200" b="0" i="0" kern="1200" dirty="0" err="1" smtClean="0">
+                <a:solidFill>
+                  <a:schemeClr val="tx1"/>
+                </a:solidFill>
+                <a:effectLst/>
+                <a:latin typeface="Arial" pitchFamily="34" charset="0"/>
+                <a:ea typeface="+mn-ea"/>
+                <a:cs typeface="+mn-cs"/>
+              </a:rPr>
+              <a:t>mgd</a:t>
+            </a:r>
             <a:endParaRPr lang="en-US" dirty="0" smtClean="0"/>
           </a:p>
           <a:p>
+            <a:r>
+              <a:rPr lang="en-US" dirty="0" smtClean="0">
+                <a:hlinkClick r:id="rId4"/>
+              </a:rPr>
+              <a:t>http://www.tdtnews.com/news/article_679b5530-a629-11e7-8d69-0ff68a1a883c.html</a:t>
+            </a:r>
+            <a:endParaRPr lang="en-US" dirty="0" smtClean="0"/>
+          </a:p>
+          <a:p>
+            <a:endParaRPr lang="en-US" dirty="0" smtClean="0"/>
+          </a:p>
+          <a:p>
+            <a:r>
+              <a:rPr lang="en-US" dirty="0" smtClean="0"/>
+              <a:t>See </a:t>
+            </a:r>
+            <a:r>
+              <a:rPr lang="en-US" dirty="0" smtClean="0">
+                <a:hlinkClick r:id="rId5"/>
+              </a:rPr>
+              <a:t>https://moralescompany.com/completed-projects/water-treatment-plants</a:t>
+            </a:r>
+            <a:r>
+              <a:rPr lang="en-US" dirty="0" smtClean="0"/>
+              <a:t> for lots of photos</a:t>
+            </a:r>
             <a:endParaRPr lang="en-US" dirty="0"/>
           </a:p>
         </p:txBody>
@@ -2034,7 +2104,7 @@
             <a:fld id="{F6B90027-AD36-416E-8B0F-CCCC7E8FF223}" type="slidenum">
               <a:rPr lang="en-US" smtClean="0"/>
               <a:pPr/>
-              <a:t>14</a:t>
+              <a:t>16</a:t>
             </a:fld>
             <a:endParaRPr lang="en-US"/>
           </a:p>
@@ -2044,6 +2114,124 @@
     <p:extLst>
       <p:ext uri="{BB962C8B-B14F-4D97-AF65-F5344CB8AC3E}">
         <p14:creationId xmlns:p14="http://schemas.microsoft.com/office/powerpoint/2010/main" val="47174142"/>
+      </p:ext>
+    </p:extLst>
+  </p:cSld>
+  <p:clrMapOvr>
+    <a:masterClrMapping/>
+  </p:clrMapOvr>
+</p:notes>
+</file>
+
+<file path=ppt/notesSlides/notesSlide8.xml><?xml version="1.0" encoding="utf-8"?>
+<p:notes xmlns:a="http://schemas.openxmlformats.org/drawingml/2006/main" xmlns:r="http://schemas.openxmlformats.org/officeDocument/2006/relationships" xmlns:p="http://schemas.openxmlformats.org/presentationml/2006/main">
+  <p:cSld>
+    <p:spTree>
+      <p:nvGrpSpPr>
+        <p:cNvPr id="1" name=""/>
+        <p:cNvGrpSpPr/>
+        <p:nvPr/>
+      </p:nvGrpSpPr>
+      <p:grpSpPr>
+        <a:xfrm>
+          <a:off x="0" y="0"/>
+          <a:ext cx="0" cy="0"/>
+          <a:chOff x="0" y="0"/>
+          <a:chExt cx="0" cy="0"/>
+        </a:xfrm>
+      </p:grpSpPr>
+      <p:sp>
+        <p:nvSpPr>
+          <p:cNvPr id="2" name="Slide Image Placeholder 1"/>
+          <p:cNvSpPr>
+            <a:spLocks noGrp="1" noRot="1" noChangeAspect="1"/>
+          </p:cNvSpPr>
+          <p:nvPr>
+            <p:ph type="sldImg"/>
+          </p:nvPr>
+        </p:nvSpPr>
+        <p:spPr/>
+      </p:sp>
+      <p:sp>
+        <p:nvSpPr>
+          <p:cNvPr id="3" name="Notes Placeholder 2"/>
+          <p:cNvSpPr>
+            <a:spLocks noGrp="1"/>
+          </p:cNvSpPr>
+          <p:nvPr>
+            <p:ph type="body" idx="1"/>
+          </p:nvPr>
+        </p:nvSpPr>
+        <p:spPr/>
+        <p:txBody>
+          <a:bodyPr/>
+          <a:lstStyle/>
+          <a:p>
+            <a:pPr marL="0" marR="0" indent="0" algn="l" defTabSz="914400" rtl="0" eaLnBrk="1" fontAlgn="base" latinLnBrk="0" hangingPunct="1">
+              <a:lnSpc>
+                <a:spcPct val="100000"/>
+              </a:lnSpc>
+              <a:spcBef>
+                <a:spcPct val="30000"/>
+              </a:spcBef>
+              <a:spcAft>
+                <a:spcPct val="0"/>
+              </a:spcAft>
+              <a:buClrTx/>
+              <a:buSzTx/>
+              <a:buFontTx/>
+              <a:buNone/>
+              <a:tabLst/>
+              <a:defRPr/>
+            </a:pPr>
+            <a:r>
+              <a:rPr lang="en-US" dirty="0" smtClean="0"/>
+              <a:t>See </a:t>
+            </a:r>
+            <a:r>
+              <a:rPr lang="en-US" dirty="0" smtClean="0">
+                <a:hlinkClick r:id="rId3"/>
+              </a:rPr>
+              <a:t>https://moralescompany.com/completed-projects/water-treatment-plants</a:t>
+            </a:r>
+            <a:r>
+              <a:rPr lang="en-US" dirty="0" smtClean="0"/>
+              <a:t> for lots of photos</a:t>
+            </a:r>
+          </a:p>
+          <a:p>
+            <a:endParaRPr lang="en-US" dirty="0"/>
+          </a:p>
+        </p:txBody>
+      </p:sp>
+      <p:sp>
+        <p:nvSpPr>
+          <p:cNvPr id="4" name="Slide Number Placeholder 3"/>
+          <p:cNvSpPr>
+            <a:spLocks noGrp="1"/>
+          </p:cNvSpPr>
+          <p:nvPr>
+            <p:ph type="sldNum" sz="quarter" idx="10"/>
+          </p:nvPr>
+        </p:nvSpPr>
+        <p:spPr/>
+        <p:txBody>
+          <a:bodyPr/>
+          <a:lstStyle/>
+          <a:p>
+            <a:fld id="{F6B90027-AD36-416E-8B0F-CCCC7E8FF223}" type="slidenum">
+              <a:rPr lang="en-US" smtClean="0"/>
+              <a:pPr/>
+              <a:t>17</a:t>
+            </a:fld>
+            <a:endParaRPr lang="en-US"/>
+          </a:p>
+        </p:txBody>
+      </p:sp>
+    </p:spTree>
+    <p:extLst>
+      <p:ext uri="{BB962C8B-B14F-4D97-AF65-F5344CB8AC3E}">
+        <p14:creationId xmlns:p14="http://schemas.microsoft.com/office/powerpoint/2010/main" val="2124129771"/>
       </p:ext>
     </p:extLst>
   </p:cSld>
@@ -4406,6 +4594,257 @@
             <p:ph type="title"/>
           </p:nvPr>
         </p:nvSpPr>
+        <p:spPr/>
+        <p:txBody>
+          <a:bodyPr/>
+          <a:lstStyle/>
+          <a:p>
+            <a:r>
+              <a:rPr lang="en-US" dirty="0"/>
+              <a:t>Head loss through membranes</a:t>
+            </a:r>
+          </a:p>
+        </p:txBody>
+      </p:sp>
+      <p:sp>
+        <p:nvSpPr>
+          <p:cNvPr id="3" name="Content Placeholder 2"/>
+          <p:cNvSpPr>
+            <a:spLocks noGrp="1"/>
+          </p:cNvSpPr>
+          <p:nvPr>
+            <p:ph idx="1"/>
+          </p:nvPr>
+        </p:nvSpPr>
+        <p:spPr/>
+        <p:txBody>
+          <a:bodyPr/>
+          <a:lstStyle/>
+          <a:p>
+            <a:r>
+              <a:rPr lang="en-US" dirty="0" smtClean="0"/>
+              <a:t>Given that the pore diameter and length are poorly defined, a resistance coefficient is used</a:t>
+            </a:r>
+          </a:p>
+          <a:p>
+            <a:endParaRPr lang="en-US" dirty="0"/>
+          </a:p>
+          <a:p>
+            <a:r>
+              <a:rPr lang="en-US" dirty="0" smtClean="0"/>
+              <a:t>From </a:t>
+            </a:r>
+            <a:r>
+              <a:rPr lang="en-US" dirty="0"/>
+              <a:t>Hagen </a:t>
+            </a:r>
+            <a:r>
+              <a:rPr lang="en-US" dirty="0" err="1" smtClean="0"/>
+              <a:t>Poiseuille</a:t>
+            </a:r>
+            <a:endParaRPr lang="en-US" dirty="0" smtClean="0"/>
+          </a:p>
+          <a:p>
+            <a:endParaRPr lang="en-US" dirty="0" smtClean="0"/>
+          </a:p>
+          <a:p>
+            <a:endParaRPr lang="en-US" dirty="0"/>
+          </a:p>
+          <a:p>
+            <a:r>
+              <a:rPr lang="en-US" dirty="0" smtClean="0"/>
+              <a:t>Comparing the two equations we see that</a:t>
+            </a:r>
+            <a:endParaRPr lang="en-US" dirty="0"/>
+          </a:p>
+        </p:txBody>
+      </p:sp>
+      <p:pic>
+        <p:nvPicPr>
+          <p:cNvPr id="8" name="Picture 7"/>
+          <p:cNvPicPr>
+            <a:picLocks noChangeAspect="1"/>
+          </p:cNvPicPr>
+          <p:nvPr>
+            <p:custDataLst>
+              <p:tags r:id="rId1"/>
+            </p:custDataLst>
+          </p:nvPr>
+        </p:nvPicPr>
+        <p:blipFill>
+          <a:blip r:embed="rId6" cstate="print">
+            <a:extLst>
+              <a:ext uri="{28A0092B-C50C-407E-A947-70E740481C1C}">
+                <a14:useLocalDpi xmlns:a14="http://schemas.microsoft.com/office/drawing/2010/main" val="0"/>
+              </a:ext>
+            </a:extLst>
+          </a:blip>
+          <a:stretch>
+            <a:fillRect/>
+          </a:stretch>
+        </p:blipFill>
+        <p:spPr>
+          <a:xfrm>
+            <a:off x="6026794" y="3620463"/>
+            <a:ext cx="1999467" cy="702704"/>
+          </a:xfrm>
+          <a:prstGeom prst="rect">
+            <a:avLst/>
+          </a:prstGeom>
+        </p:spPr>
+      </p:pic>
+      <p:pic>
+        <p:nvPicPr>
+          <p:cNvPr id="12" name="Picture 11"/>
+          <p:cNvPicPr>
+            <a:picLocks noChangeAspect="1"/>
+          </p:cNvPicPr>
+          <p:nvPr>
+            <p:custDataLst>
+              <p:tags r:id="rId2"/>
+            </p:custDataLst>
+          </p:nvPr>
+        </p:nvPicPr>
+        <p:blipFill>
+          <a:blip r:embed="rId7" cstate="print">
+            <a:extLst>
+              <a:ext uri="{28A0092B-C50C-407E-A947-70E740481C1C}">
+                <a14:useLocalDpi xmlns:a14="http://schemas.microsoft.com/office/drawing/2010/main" val="0"/>
+              </a:ext>
+            </a:extLst>
+          </a:blip>
+          <a:stretch>
+            <a:fillRect/>
+          </a:stretch>
+        </p:blipFill>
+        <p:spPr>
+          <a:xfrm>
+            <a:off x="1134500" y="4458606"/>
+            <a:ext cx="4074285" cy="702704"/>
+          </a:xfrm>
+          <a:prstGeom prst="rect">
+            <a:avLst/>
+          </a:prstGeom>
+        </p:spPr>
+      </p:pic>
+      <p:pic>
+        <p:nvPicPr>
+          <p:cNvPr id="11" name="Picture 10"/>
+          <p:cNvPicPr>
+            <a:picLocks noChangeAspect="1"/>
+          </p:cNvPicPr>
+          <p:nvPr>
+            <p:custDataLst>
+              <p:tags r:id="rId3"/>
+            </p:custDataLst>
+          </p:nvPr>
+        </p:nvPicPr>
+        <p:blipFill>
+          <a:blip r:embed="rId8" cstate="print">
+            <a:extLst>
+              <a:ext uri="{28A0092B-C50C-407E-A947-70E740481C1C}">
+                <a14:useLocalDpi xmlns:a14="http://schemas.microsoft.com/office/drawing/2010/main" val="0"/>
+              </a:ext>
+            </a:extLst>
+          </a:blip>
+          <a:stretch>
+            <a:fillRect/>
+          </a:stretch>
+        </p:blipFill>
+        <p:spPr>
+          <a:xfrm>
+            <a:off x="2000968" y="2871251"/>
+            <a:ext cx="1266971" cy="667656"/>
+          </a:xfrm>
+          <a:prstGeom prst="rect">
+            <a:avLst/>
+          </a:prstGeom>
+        </p:spPr>
+      </p:pic>
+      <p:pic>
+        <p:nvPicPr>
+          <p:cNvPr id="16" name="Picture 15"/>
+          <p:cNvPicPr>
+            <a:picLocks noChangeAspect="1"/>
+          </p:cNvPicPr>
+          <p:nvPr>
+            <p:custDataLst>
+              <p:tags r:id="rId4"/>
+            </p:custDataLst>
+          </p:nvPr>
+        </p:nvPicPr>
+        <p:blipFill>
+          <a:blip r:embed="rId9" cstate="print">
+            <a:extLst>
+              <a:ext uri="{28A0092B-C50C-407E-A947-70E740481C1C}">
+                <a14:useLocalDpi xmlns:a14="http://schemas.microsoft.com/office/drawing/2010/main" val="0"/>
+              </a:ext>
+            </a:extLst>
+          </a:blip>
+          <a:stretch>
+            <a:fillRect/>
+          </a:stretch>
+        </p:blipFill>
+        <p:spPr>
+          <a:xfrm>
+            <a:off x="1279863" y="6056858"/>
+            <a:ext cx="1442210" cy="595809"/>
+          </a:xfrm>
+          <a:prstGeom prst="rect">
+            <a:avLst/>
+          </a:prstGeom>
+        </p:spPr>
+      </p:pic>
+    </p:spTree>
+    <p:extLst>
+      <p:ext uri="{BB962C8B-B14F-4D97-AF65-F5344CB8AC3E}">
+        <p14:creationId xmlns:p14="http://schemas.microsoft.com/office/powerpoint/2010/main" val="3831587822"/>
+      </p:ext>
+    </p:extLst>
+  </p:cSld>
+  <p:clrMapOvr>
+    <a:masterClrMapping/>
+  </p:clrMapOvr>
+  <p:transition>
+    <p:fade/>
+  </p:transition>
+  <p:timing>
+    <p:tnLst>
+      <p:par>
+        <p:cTn id="1" dur="indefinite" restart="never" nodeType="tmRoot"/>
+      </p:par>
+    </p:tnLst>
+  </p:timing>
+</p:sld>
+</file>
+
+<file path=ppt/slides/slide11.xml><?xml version="1.0" encoding="utf-8"?>
+<p:sld xmlns:a="http://schemas.openxmlformats.org/drawingml/2006/main" xmlns:r="http://schemas.openxmlformats.org/officeDocument/2006/relationships" xmlns:p="http://schemas.openxmlformats.org/presentationml/2006/main">
+  <p:cSld>
+    <p:spTree>
+      <p:nvGrpSpPr>
+        <p:cNvPr id="1" name=""/>
+        <p:cNvGrpSpPr/>
+        <p:nvPr/>
+      </p:nvGrpSpPr>
+      <p:grpSpPr>
+        <a:xfrm>
+          <a:off x="0" y="0"/>
+          <a:ext cx="0" cy="0"/>
+          <a:chOff x="0" y="0"/>
+          <a:chExt cx="0" cy="0"/>
+        </a:xfrm>
+      </p:grpSpPr>
+      <p:sp>
+        <p:nvSpPr>
+          <p:cNvPr id="2" name="Title 1"/>
+          <p:cNvSpPr>
+            <a:spLocks noGrp="1"/>
+          </p:cNvSpPr>
+          <p:nvPr>
+            <p:ph type="title"/>
+          </p:nvPr>
+        </p:nvSpPr>
         <p:spPr>
           <a:xfrm>
             <a:off x="457200" y="228600"/>
@@ -4552,7 +4991,154 @@
 </p:sld>
 </file>
 
-<file path=ppt/slides/slide11.xml><?xml version="1.0" encoding="utf-8"?>
+<file path=ppt/slides/slide12.xml><?xml version="1.0" encoding="utf-8"?>
+<p:sld xmlns:a="http://schemas.openxmlformats.org/drawingml/2006/main" xmlns:r="http://schemas.openxmlformats.org/officeDocument/2006/relationships" xmlns:p="http://schemas.openxmlformats.org/presentationml/2006/main">
+  <p:cSld>
+    <p:spTree>
+      <p:nvGrpSpPr>
+        <p:cNvPr id="1" name=""/>
+        <p:cNvGrpSpPr/>
+        <p:nvPr/>
+      </p:nvGrpSpPr>
+      <p:grpSpPr>
+        <a:xfrm>
+          <a:off x="0" y="0"/>
+          <a:ext cx="0" cy="0"/>
+          <a:chOff x="0" y="0"/>
+          <a:chExt cx="0" cy="0"/>
+        </a:xfrm>
+      </p:grpSpPr>
+      <p:sp>
+        <p:nvSpPr>
+          <p:cNvPr id="2" name="Title 1"/>
+          <p:cNvSpPr>
+            <a:spLocks noGrp="1"/>
+          </p:cNvSpPr>
+          <p:nvPr>
+            <p:ph type="title"/>
+          </p:nvPr>
+        </p:nvSpPr>
+        <p:spPr/>
+        <p:txBody>
+          <a:bodyPr/>
+          <a:lstStyle/>
+          <a:p>
+            <a:r>
+              <a:rPr lang="en-US" dirty="0" smtClean="0"/>
+              <a:t>Membranes vs Slow Sand?</a:t>
+            </a:r>
+            <a:endParaRPr lang="en-US" dirty="0"/>
+          </a:p>
+        </p:txBody>
+      </p:sp>
+      <p:sp>
+        <p:nvSpPr>
+          <p:cNvPr id="3" name="Content Placeholder 2"/>
+          <p:cNvSpPr>
+            <a:spLocks noGrp="1"/>
+          </p:cNvSpPr>
+          <p:nvPr>
+            <p:ph idx="1"/>
+          </p:nvPr>
+        </p:nvSpPr>
+        <p:spPr/>
+        <p:txBody>
+          <a:bodyPr/>
+          <a:lstStyle/>
+          <a:p>
+            <a:r>
+              <a:rPr lang="en-US" dirty="0" smtClean="0"/>
+              <a:t>Approach velocity for membranes is </a:t>
+            </a:r>
+            <a:r>
+              <a:rPr lang="en-US" dirty="0"/>
+              <a:t>8 – 50 </a:t>
+            </a:r>
+            <a:r>
+              <a:rPr lang="en-US" dirty="0">
+                <a:latin typeface="Symbol" panose="05050102010706020507" pitchFamily="18" charset="2"/>
+              </a:rPr>
+              <a:t>m</a:t>
+            </a:r>
+            <a:r>
+              <a:rPr lang="en-US" dirty="0"/>
+              <a:t>m/s</a:t>
+            </a:r>
+          </a:p>
+          <a:p>
+            <a:r>
+              <a:rPr lang="en-US" dirty="0" smtClean="0"/>
+              <a:t> Approach velocity for SSF is 12 cm/</a:t>
+            </a:r>
+            <a:r>
+              <a:rPr lang="en-US" dirty="0" err="1" smtClean="0"/>
+              <a:t>hr</a:t>
+            </a:r>
+            <a:r>
+              <a:rPr lang="en-US" dirty="0" smtClean="0"/>
+              <a:t> = 33 </a:t>
+            </a:r>
+            <a:r>
+              <a:rPr lang="en-US" dirty="0">
+                <a:latin typeface="Symbol" panose="05050102010706020507" pitchFamily="18" charset="2"/>
+              </a:rPr>
+              <a:t>m</a:t>
+            </a:r>
+            <a:r>
+              <a:rPr lang="en-US" dirty="0"/>
+              <a:t>m/s</a:t>
+            </a:r>
+          </a:p>
+          <a:p>
+            <a:r>
+              <a:rPr lang="en-US" dirty="0" smtClean="0"/>
+              <a:t>Both slow sand and membranes form a filter cake on top of the filter.</a:t>
+            </a:r>
+          </a:p>
+          <a:p>
+            <a:r>
+              <a:rPr lang="en-US" dirty="0" smtClean="0"/>
+              <a:t>Both slow sand and membranes can operate without any coagulant</a:t>
+            </a:r>
+          </a:p>
+          <a:p>
+            <a:r>
+              <a:rPr lang="en-US" dirty="0" smtClean="0"/>
+              <a:t>Slow sand particle removal depends on aluminum!</a:t>
+            </a:r>
+          </a:p>
+          <a:p>
+            <a:r>
+              <a:rPr lang="en-US" dirty="0" smtClean="0"/>
+              <a:t>In a slow sand filter it is called ripening</a:t>
+            </a:r>
+          </a:p>
+          <a:p>
+            <a:r>
+              <a:rPr lang="en-US" dirty="0" smtClean="0"/>
+              <a:t>In a membrane filter it is called fouling?</a:t>
+            </a:r>
+            <a:endParaRPr lang="en-US" dirty="0"/>
+          </a:p>
+        </p:txBody>
+      </p:sp>
+    </p:spTree>
+    <p:extLst>
+      <p:ext uri="{BB962C8B-B14F-4D97-AF65-F5344CB8AC3E}">
+        <p14:creationId xmlns:p14="http://schemas.microsoft.com/office/powerpoint/2010/main" val="536315227"/>
+      </p:ext>
+    </p:extLst>
+  </p:cSld>
+  <p:clrMapOvr>
+    <a:masterClrMapping/>
+  </p:clrMapOvr>
+  <p:transition>
+    <p:fade/>
+  </p:transition>
+</p:sld>
+</file>
+
+<file path=ppt/slides/slide13.xml><?xml version="1.0" encoding="utf-8"?>
 <p:sld xmlns:a="http://schemas.openxmlformats.org/drawingml/2006/main" xmlns:r="http://schemas.openxmlformats.org/officeDocument/2006/relationships" xmlns:p="http://schemas.openxmlformats.org/presentationml/2006/main">
   <p:cSld>
     <p:spTree>
@@ -4736,248 +5322,6 @@
 </p:sld>
 </file>
 
-<file path=ppt/slides/slide12.xml><?xml version="1.0" encoding="utf-8"?>
-<p:sld xmlns:a="http://schemas.openxmlformats.org/drawingml/2006/main" xmlns:r="http://schemas.openxmlformats.org/officeDocument/2006/relationships" xmlns:p="http://schemas.openxmlformats.org/presentationml/2006/main">
-  <p:cSld>
-    <p:spTree>
-      <p:nvGrpSpPr>
-        <p:cNvPr id="1" name=""/>
-        <p:cNvGrpSpPr/>
-        <p:nvPr/>
-      </p:nvGrpSpPr>
-      <p:grpSpPr>
-        <a:xfrm>
-          <a:off x="0" y="0"/>
-          <a:ext cx="0" cy="0"/>
-          <a:chOff x="0" y="0"/>
-          <a:chExt cx="0" cy="0"/>
-        </a:xfrm>
-      </p:grpSpPr>
-      <p:sp>
-        <p:nvSpPr>
-          <p:cNvPr id="2" name="Title 1"/>
-          <p:cNvSpPr>
-            <a:spLocks noGrp="1"/>
-          </p:cNvSpPr>
-          <p:nvPr>
-            <p:ph type="title"/>
-          </p:nvPr>
-        </p:nvSpPr>
-        <p:spPr/>
-        <p:txBody>
-          <a:bodyPr/>
-          <a:lstStyle/>
-          <a:p>
-            <a:r>
-              <a:rPr lang="en-US" dirty="0" smtClean="0"/>
-              <a:t>Floc/floc blanket/</a:t>
-            </a:r>
-            <a:r>
-              <a:rPr lang="en-US" dirty="0" err="1" smtClean="0"/>
-              <a:t>sed</a:t>
-            </a:r>
-            <a:r>
-              <a:rPr lang="en-US" dirty="0" smtClean="0"/>
-              <a:t> before membranes?</a:t>
-            </a:r>
-            <a:endParaRPr lang="en-US" dirty="0"/>
-          </a:p>
-        </p:txBody>
-      </p:sp>
-      <p:sp>
-        <p:nvSpPr>
-          <p:cNvPr id="3" name="Content Placeholder 2"/>
-          <p:cNvSpPr>
-            <a:spLocks noGrp="1"/>
-          </p:cNvSpPr>
-          <p:nvPr>
-            <p:ph idx="1"/>
-          </p:nvPr>
-        </p:nvSpPr>
-        <p:spPr/>
-        <p:txBody>
-          <a:bodyPr/>
-          <a:lstStyle/>
-          <a:p>
-            <a:r>
-              <a:rPr lang="en-US" dirty="0" smtClean="0"/>
-              <a:t>“If the raw water turbidity and/or NOM concentration is high, pretreatment will include coagulation, flocculation, and sedimentation.”</a:t>
-            </a:r>
-          </a:p>
-          <a:p>
-            <a:r>
-              <a:rPr lang="en-US" dirty="0" smtClean="0"/>
-              <a:t>No indication of what “high” means</a:t>
-            </a:r>
-          </a:p>
-          <a:p>
-            <a:r>
-              <a:rPr lang="en-US" dirty="0" smtClean="0"/>
-              <a:t>Pilot testing recommended</a:t>
-            </a:r>
-          </a:p>
-          <a:p>
-            <a:r>
-              <a:rPr lang="en-US" dirty="0" smtClean="0"/>
-              <a:t>Note that the water industry doesn’t know how to design pilot tests for floc/</a:t>
-            </a:r>
-            <a:r>
-              <a:rPr lang="en-US" dirty="0" err="1" smtClean="0"/>
-              <a:t>sed</a:t>
-            </a:r>
-            <a:r>
-              <a:rPr lang="en-US" dirty="0" smtClean="0"/>
-              <a:t> systems that perform as well as full scale</a:t>
-            </a:r>
-            <a:endParaRPr lang="en-US" dirty="0"/>
-          </a:p>
-        </p:txBody>
-      </p:sp>
-      <p:sp>
-        <p:nvSpPr>
-          <p:cNvPr id="4" name="Rectangle 3"/>
-          <p:cNvSpPr/>
-          <p:nvPr/>
-        </p:nvSpPr>
-        <p:spPr>
-          <a:xfrm>
-            <a:off x="4339526" y="6169241"/>
-            <a:ext cx="4678551" cy="707886"/>
-          </a:xfrm>
-          <a:prstGeom prst="rect">
-            <a:avLst/>
-          </a:prstGeom>
-        </p:spPr>
-        <p:txBody>
-          <a:bodyPr wrap="square">
-            <a:spAutoFit/>
-          </a:bodyPr>
-          <a:lstStyle/>
-          <a:p>
-            <a:r>
-              <a:rPr lang="en-US" sz="2000" b="0" u="sng" dirty="0">
-                <a:solidFill>
-                  <a:srgbClr val="1155CC"/>
-                </a:solidFill>
-                <a:latin typeface="Calibri" panose="020F0502020204030204" pitchFamily="34" charset="0"/>
-                <a:hlinkClick r:id="rId2"/>
-              </a:rPr>
-              <a:t>Water and Wastewater Engineering: Design Principles and Practice</a:t>
-            </a:r>
-            <a:r>
-              <a:rPr lang="en-US" sz="2000" b="0" dirty="0">
-                <a:solidFill>
-                  <a:srgbClr val="000000"/>
-                </a:solidFill>
-                <a:latin typeface="Calibri" panose="020F0502020204030204" pitchFamily="34" charset="0"/>
-              </a:rPr>
-              <a:t>. Mackenzie Davis</a:t>
-            </a:r>
-            <a:endParaRPr lang="en-US" sz="2000" dirty="0"/>
-          </a:p>
-        </p:txBody>
-      </p:sp>
-    </p:spTree>
-    <p:extLst>
-      <p:ext uri="{BB962C8B-B14F-4D97-AF65-F5344CB8AC3E}">
-        <p14:creationId xmlns:p14="http://schemas.microsoft.com/office/powerpoint/2010/main" val="1782096696"/>
-      </p:ext>
-    </p:extLst>
-  </p:cSld>
-  <p:clrMapOvr>
-    <a:masterClrMapping/>
-  </p:clrMapOvr>
-  <p:transition>
-    <p:fade/>
-  </p:transition>
-</p:sld>
-</file>
-
-<file path=ppt/slides/slide13.xml><?xml version="1.0" encoding="utf-8"?>
-<p:sld xmlns:a="http://schemas.openxmlformats.org/drawingml/2006/main" xmlns:r="http://schemas.openxmlformats.org/officeDocument/2006/relationships" xmlns:p="http://schemas.openxmlformats.org/presentationml/2006/main">
-  <p:cSld>
-    <p:spTree>
-      <p:nvGrpSpPr>
-        <p:cNvPr id="1" name=""/>
-        <p:cNvGrpSpPr/>
-        <p:nvPr/>
-      </p:nvGrpSpPr>
-      <p:grpSpPr>
-        <a:xfrm>
-          <a:off x="0" y="0"/>
-          <a:ext cx="0" cy="0"/>
-          <a:chOff x="0" y="0"/>
-          <a:chExt cx="0" cy="0"/>
-        </a:xfrm>
-      </p:grpSpPr>
-      <p:sp>
-        <p:nvSpPr>
-          <p:cNvPr id="2" name="Title 1"/>
-          <p:cNvSpPr>
-            <a:spLocks noGrp="1"/>
-          </p:cNvSpPr>
-          <p:nvPr>
-            <p:ph type="title"/>
-          </p:nvPr>
-        </p:nvSpPr>
-        <p:spPr/>
-        <p:txBody>
-          <a:bodyPr/>
-          <a:lstStyle/>
-          <a:p>
-            <a:r>
-              <a:rPr lang="en-US" dirty="0" smtClean="0"/>
-              <a:t>Membrane fouling</a:t>
-            </a:r>
-            <a:endParaRPr lang="en-US" dirty="0"/>
-          </a:p>
-        </p:txBody>
-      </p:sp>
-      <p:sp>
-        <p:nvSpPr>
-          <p:cNvPr id="3" name="Content Placeholder 2"/>
-          <p:cNvSpPr>
-            <a:spLocks noGrp="1"/>
-          </p:cNvSpPr>
-          <p:nvPr>
-            <p:ph idx="1"/>
-          </p:nvPr>
-        </p:nvSpPr>
-        <p:spPr/>
-        <p:txBody>
-          <a:bodyPr/>
-          <a:lstStyle/>
-          <a:p>
-            <a:r>
-              <a:rPr lang="en-US" dirty="0" smtClean="0"/>
-              <a:t>Reduction in flow due to accumulation of particles and adsorbed species</a:t>
-            </a:r>
-          </a:p>
-          <a:p>
-            <a:r>
-              <a:rPr lang="en-US" dirty="0" smtClean="0"/>
-              <a:t>Can be reduced with  chemical treatment</a:t>
-            </a:r>
-            <a:endParaRPr lang="en-US" dirty="0"/>
-          </a:p>
-        </p:txBody>
-      </p:sp>
-    </p:spTree>
-    <p:extLst>
-      <p:ext uri="{BB962C8B-B14F-4D97-AF65-F5344CB8AC3E}">
-        <p14:creationId xmlns:p14="http://schemas.microsoft.com/office/powerpoint/2010/main" val="1321201499"/>
-      </p:ext>
-    </p:extLst>
-  </p:cSld>
-  <p:clrMapOvr>
-    <a:masterClrMapping/>
-  </p:clrMapOvr>
-  <p:transition>
-    <p:fade/>
-  </p:transition>
-</p:sld>
-</file>
-
 <file path=ppt/slides/slide14.xml><?xml version="1.0" encoding="utf-8"?>
 <p:sld xmlns:a="http://schemas.openxmlformats.org/drawingml/2006/main" xmlns:r="http://schemas.openxmlformats.org/officeDocument/2006/relationships" xmlns:p="http://schemas.openxmlformats.org/presentationml/2006/main">
   <p:cSld>
@@ -5012,7 +5356,15 @@
           <a:p>
             <a:r>
               <a:rPr lang="en-US" dirty="0" smtClean="0"/>
-              <a:t>Membrane Story: Temple Texas</a:t>
+              <a:t>Floc/floc blanket/</a:t>
+            </a:r>
+            <a:r>
+              <a:rPr lang="en-US" dirty="0" err="1" smtClean="0"/>
+              <a:t>sed</a:t>
+            </a:r>
+            <a:r>
+              <a:rPr lang="en-US" dirty="0" smtClean="0"/>
+              <a:t> before membranes?</a:t>
             </a:r>
             <a:endParaRPr lang="en-US" dirty="0"/>
           </a:p>
@@ -5033,6 +5385,240 @@
           <a:bodyPr/>
           <a:lstStyle/>
           <a:p>
+            <a:r>
+              <a:rPr lang="en-US" dirty="0" smtClean="0"/>
+              <a:t>“If the raw water turbidity and/or NOM concentration is high, pretreatment will include coagulation, flocculation, and sedimentation.”</a:t>
+            </a:r>
+          </a:p>
+          <a:p>
+            <a:r>
+              <a:rPr lang="en-US" dirty="0" smtClean="0"/>
+              <a:t>No indication of what “high” means</a:t>
+            </a:r>
+          </a:p>
+          <a:p>
+            <a:r>
+              <a:rPr lang="en-US" dirty="0" smtClean="0"/>
+              <a:t>Pilot testing recommended</a:t>
+            </a:r>
+          </a:p>
+          <a:p>
+            <a:r>
+              <a:rPr lang="en-US" dirty="0" smtClean="0"/>
+              <a:t>Note that the water industry doesn’t know how to design pilot tests for floc/</a:t>
+            </a:r>
+            <a:r>
+              <a:rPr lang="en-US" dirty="0" err="1" smtClean="0"/>
+              <a:t>sed</a:t>
+            </a:r>
+            <a:r>
+              <a:rPr lang="en-US" dirty="0" smtClean="0"/>
+              <a:t> systems that perform as well as full scale</a:t>
+            </a:r>
+            <a:endParaRPr lang="en-US" dirty="0"/>
+          </a:p>
+        </p:txBody>
+      </p:sp>
+      <p:sp>
+        <p:nvSpPr>
+          <p:cNvPr id="4" name="Rectangle 3"/>
+          <p:cNvSpPr/>
+          <p:nvPr/>
+        </p:nvSpPr>
+        <p:spPr>
+          <a:xfrm>
+            <a:off x="4339526" y="6169241"/>
+            <a:ext cx="4678551" cy="707886"/>
+          </a:xfrm>
+          <a:prstGeom prst="rect">
+            <a:avLst/>
+          </a:prstGeom>
+        </p:spPr>
+        <p:txBody>
+          <a:bodyPr wrap="square">
+            <a:spAutoFit/>
+          </a:bodyPr>
+          <a:lstStyle/>
+          <a:p>
+            <a:r>
+              <a:rPr lang="en-US" sz="2000" b="0" u="sng" dirty="0">
+                <a:solidFill>
+                  <a:srgbClr val="1155CC"/>
+                </a:solidFill>
+                <a:latin typeface="Calibri" panose="020F0502020204030204" pitchFamily="34" charset="0"/>
+                <a:hlinkClick r:id="rId2"/>
+              </a:rPr>
+              <a:t>Water and Wastewater Engineering: Design Principles and Practice</a:t>
+            </a:r>
+            <a:r>
+              <a:rPr lang="en-US" sz="2000" b="0" dirty="0">
+                <a:solidFill>
+                  <a:srgbClr val="000000"/>
+                </a:solidFill>
+                <a:latin typeface="Calibri" panose="020F0502020204030204" pitchFamily="34" charset="0"/>
+              </a:rPr>
+              <a:t>. Mackenzie Davis</a:t>
+            </a:r>
+            <a:endParaRPr lang="en-US" sz="2000" dirty="0"/>
+          </a:p>
+        </p:txBody>
+      </p:sp>
+    </p:spTree>
+    <p:extLst>
+      <p:ext uri="{BB962C8B-B14F-4D97-AF65-F5344CB8AC3E}">
+        <p14:creationId xmlns:p14="http://schemas.microsoft.com/office/powerpoint/2010/main" val="1782096696"/>
+      </p:ext>
+    </p:extLst>
+  </p:cSld>
+  <p:clrMapOvr>
+    <a:masterClrMapping/>
+  </p:clrMapOvr>
+  <p:transition>
+    <p:fade/>
+  </p:transition>
+</p:sld>
+</file>
+
+<file path=ppt/slides/slide15.xml><?xml version="1.0" encoding="utf-8"?>
+<p:sld xmlns:a="http://schemas.openxmlformats.org/drawingml/2006/main" xmlns:r="http://schemas.openxmlformats.org/officeDocument/2006/relationships" xmlns:p="http://schemas.openxmlformats.org/presentationml/2006/main">
+  <p:cSld>
+    <p:spTree>
+      <p:nvGrpSpPr>
+        <p:cNvPr id="1" name=""/>
+        <p:cNvGrpSpPr/>
+        <p:nvPr/>
+      </p:nvGrpSpPr>
+      <p:grpSpPr>
+        <a:xfrm>
+          <a:off x="0" y="0"/>
+          <a:ext cx="0" cy="0"/>
+          <a:chOff x="0" y="0"/>
+          <a:chExt cx="0" cy="0"/>
+        </a:xfrm>
+      </p:grpSpPr>
+      <p:sp>
+        <p:nvSpPr>
+          <p:cNvPr id="2" name="Title 1"/>
+          <p:cNvSpPr>
+            <a:spLocks noGrp="1"/>
+          </p:cNvSpPr>
+          <p:nvPr>
+            <p:ph type="title"/>
+          </p:nvPr>
+        </p:nvSpPr>
+        <p:spPr/>
+        <p:txBody>
+          <a:bodyPr/>
+          <a:lstStyle/>
+          <a:p>
+            <a:r>
+              <a:rPr lang="en-US" dirty="0" smtClean="0"/>
+              <a:t>Membrane fouling</a:t>
+            </a:r>
+            <a:endParaRPr lang="en-US" dirty="0"/>
+          </a:p>
+        </p:txBody>
+      </p:sp>
+      <p:sp>
+        <p:nvSpPr>
+          <p:cNvPr id="3" name="Content Placeholder 2"/>
+          <p:cNvSpPr>
+            <a:spLocks noGrp="1"/>
+          </p:cNvSpPr>
+          <p:nvPr>
+            <p:ph idx="1"/>
+          </p:nvPr>
+        </p:nvSpPr>
+        <p:spPr/>
+        <p:txBody>
+          <a:bodyPr/>
+          <a:lstStyle/>
+          <a:p>
+            <a:r>
+              <a:rPr lang="en-US" dirty="0" smtClean="0"/>
+              <a:t>Reduction in flow due to accumulation of particles and adsorbed species</a:t>
+            </a:r>
+          </a:p>
+          <a:p>
+            <a:r>
+              <a:rPr lang="en-US" dirty="0" smtClean="0"/>
+              <a:t>Can be reduced with  chemical treatment</a:t>
+            </a:r>
+            <a:endParaRPr lang="en-US" dirty="0"/>
+          </a:p>
+        </p:txBody>
+      </p:sp>
+    </p:spTree>
+    <p:extLst>
+      <p:ext uri="{BB962C8B-B14F-4D97-AF65-F5344CB8AC3E}">
+        <p14:creationId xmlns:p14="http://schemas.microsoft.com/office/powerpoint/2010/main" val="1321201499"/>
+      </p:ext>
+    </p:extLst>
+  </p:cSld>
+  <p:clrMapOvr>
+    <a:masterClrMapping/>
+  </p:clrMapOvr>
+  <p:transition>
+    <p:fade/>
+  </p:transition>
+</p:sld>
+</file>
+
+<file path=ppt/slides/slide16.xml><?xml version="1.0" encoding="utf-8"?>
+<p:sld xmlns:a="http://schemas.openxmlformats.org/drawingml/2006/main" xmlns:r="http://schemas.openxmlformats.org/officeDocument/2006/relationships" xmlns:p="http://schemas.openxmlformats.org/presentationml/2006/main">
+  <p:cSld>
+    <p:spTree>
+      <p:nvGrpSpPr>
+        <p:cNvPr id="1" name=""/>
+        <p:cNvGrpSpPr/>
+        <p:nvPr/>
+      </p:nvGrpSpPr>
+      <p:grpSpPr>
+        <a:xfrm>
+          <a:off x="0" y="0"/>
+          <a:ext cx="0" cy="0"/>
+          <a:chOff x="0" y="0"/>
+          <a:chExt cx="0" cy="0"/>
+        </a:xfrm>
+      </p:grpSpPr>
+      <p:sp>
+        <p:nvSpPr>
+          <p:cNvPr id="2" name="Title 1"/>
+          <p:cNvSpPr>
+            <a:spLocks noGrp="1"/>
+          </p:cNvSpPr>
+          <p:nvPr>
+            <p:ph type="title"/>
+          </p:nvPr>
+        </p:nvSpPr>
+        <p:spPr/>
+        <p:txBody>
+          <a:bodyPr/>
+          <a:lstStyle/>
+          <a:p>
+            <a:r>
+              <a:rPr lang="en-US" dirty="0" smtClean="0"/>
+              <a:t>Membrane Story: Temple Texas</a:t>
+            </a:r>
+            <a:endParaRPr lang="en-US" dirty="0"/>
+          </a:p>
+        </p:txBody>
+      </p:sp>
+      <p:sp>
+        <p:nvSpPr>
+          <p:cNvPr id="3" name="Content Placeholder 2"/>
+          <p:cNvSpPr>
+            <a:spLocks noGrp="1"/>
+          </p:cNvSpPr>
+          <p:nvPr>
+            <p:ph idx="1"/>
+          </p:nvPr>
+        </p:nvSpPr>
+        <p:spPr/>
+        <p:txBody>
+          <a:bodyPr/>
+          <a:lstStyle/>
+          <a:p>
             <a:pPr marL="342900" lvl="1" indent="-342900"/>
             <a:r>
               <a:rPr lang="en-US" kern="1200" dirty="0">
@@ -5099,6 +5685,13 @@
           <a:p>
             <a:r>
               <a:rPr lang="en-US" dirty="0" smtClean="0"/>
+              <a:t>2008 upgrade</a:t>
+            </a:r>
+          </a:p>
+          <a:p>
+            <a:pPr lvl="1"/>
+            <a:r>
+              <a:rPr lang="en-US" dirty="0" smtClean="0"/>
               <a:t>New chemical clean in </a:t>
             </a:r>
             <a:r>
@@ -5108,6 +5701,7 @@
             <a:endParaRPr lang="en-US" dirty="0" smtClean="0"/>
           </a:p>
           <a:p>
+            <a:pPr lvl="1"/>
             <a:r>
               <a:rPr lang="en-US" dirty="0"/>
               <a:t>Flocculation/Sedimentation $</a:t>
@@ -5118,9 +5712,20 @@
             </a:r>
           </a:p>
           <a:p>
+            <a:pPr lvl="1"/>
             <a:r>
               <a:rPr lang="en-US" dirty="0" smtClean="0"/>
               <a:t>Total cost – $35,263 per L/s of capacity</a:t>
+            </a:r>
+          </a:p>
+          <a:p>
+            <a:r>
+              <a:rPr lang="en-US" dirty="0" smtClean="0"/>
+              <a:t>2017 capacity reduced to 6 </a:t>
+            </a:r>
+            <a:r>
+              <a:rPr lang="en-US" dirty="0" err="1" smtClean="0"/>
+              <a:t>mgd</a:t>
             </a:r>
             <a:endParaRPr lang="en-US" dirty="0"/>
           </a:p>
@@ -5183,6 +5788,285 @@
 </p:sld>
 </file>
 
+<file path=ppt/slides/slide17.xml><?xml version="1.0" encoding="utf-8"?>
+<p:sld xmlns:a="http://schemas.openxmlformats.org/drawingml/2006/main" xmlns:r="http://schemas.openxmlformats.org/officeDocument/2006/relationships" xmlns:p="http://schemas.openxmlformats.org/presentationml/2006/main">
+  <p:cSld>
+    <p:spTree>
+      <p:nvGrpSpPr>
+        <p:cNvPr id="1" name=""/>
+        <p:cNvGrpSpPr/>
+        <p:nvPr/>
+      </p:nvGrpSpPr>
+      <p:grpSpPr>
+        <a:xfrm>
+          <a:off x="0" y="0"/>
+          <a:ext cx="0" cy="0"/>
+          <a:chOff x="0" y="0"/>
+          <a:chExt cx="0" cy="0"/>
+        </a:xfrm>
+      </p:grpSpPr>
+      <p:sp>
+        <p:nvSpPr>
+          <p:cNvPr id="2" name="Title 1"/>
+          <p:cNvSpPr>
+            <a:spLocks noGrp="1"/>
+          </p:cNvSpPr>
+          <p:nvPr>
+            <p:ph type="title"/>
+          </p:nvPr>
+        </p:nvSpPr>
+        <p:spPr/>
+        <p:txBody>
+          <a:bodyPr/>
+          <a:lstStyle/>
+          <a:p>
+            <a:endParaRPr lang="en-US"/>
+          </a:p>
+        </p:txBody>
+      </p:sp>
+      <p:sp>
+        <p:nvSpPr>
+          <p:cNvPr id="3" name="Content Placeholder 2"/>
+          <p:cNvSpPr>
+            <a:spLocks noGrp="1"/>
+          </p:cNvSpPr>
+          <p:nvPr>
+            <p:ph idx="1"/>
+          </p:nvPr>
+        </p:nvSpPr>
+        <p:spPr/>
+        <p:txBody>
+          <a:bodyPr/>
+          <a:lstStyle/>
+          <a:p>
+            <a:endParaRPr lang="en-US"/>
+          </a:p>
+        </p:txBody>
+      </p:sp>
+      <p:pic>
+        <p:nvPicPr>
+          <p:cNvPr id="4" name="Picture 3"/>
+          <p:cNvPicPr>
+            <a:picLocks noChangeAspect="1"/>
+          </p:cNvPicPr>
+          <p:nvPr/>
+        </p:nvPicPr>
+        <p:blipFill>
+          <a:blip r:embed="rId3"/>
+          <a:stretch>
+            <a:fillRect/>
+          </a:stretch>
+        </p:blipFill>
+        <p:spPr>
+          <a:xfrm>
+            <a:off x="-185738" y="-133350"/>
+            <a:ext cx="9515475" cy="7124700"/>
+          </a:xfrm>
+          <a:prstGeom prst="rect">
+            <a:avLst/>
+          </a:prstGeom>
+        </p:spPr>
+      </p:pic>
+    </p:spTree>
+    <p:extLst>
+      <p:ext uri="{BB962C8B-B14F-4D97-AF65-F5344CB8AC3E}">
+        <p14:creationId xmlns:p14="http://schemas.microsoft.com/office/powerpoint/2010/main" val="2045946852"/>
+      </p:ext>
+    </p:extLst>
+  </p:cSld>
+  <p:clrMapOvr>
+    <a:masterClrMapping/>
+  </p:clrMapOvr>
+  <p:transition>
+    <p:fade/>
+  </p:transition>
+</p:sld>
+</file>
+
+<file path=ppt/slides/slide18.xml><?xml version="1.0" encoding="utf-8"?>
+<p:sld xmlns:a="http://schemas.openxmlformats.org/drawingml/2006/main" xmlns:r="http://schemas.openxmlformats.org/officeDocument/2006/relationships" xmlns:p="http://schemas.openxmlformats.org/presentationml/2006/main">
+  <p:cSld>
+    <p:spTree>
+      <p:nvGrpSpPr>
+        <p:cNvPr id="1" name=""/>
+        <p:cNvGrpSpPr/>
+        <p:nvPr/>
+      </p:nvGrpSpPr>
+      <p:grpSpPr>
+        <a:xfrm>
+          <a:off x="0" y="0"/>
+          <a:ext cx="0" cy="0"/>
+          <a:chOff x="0" y="0"/>
+          <a:chExt cx="0" cy="0"/>
+        </a:xfrm>
+      </p:grpSpPr>
+      <p:sp>
+        <p:nvSpPr>
+          <p:cNvPr id="2" name="Title 1"/>
+          <p:cNvSpPr>
+            <a:spLocks noGrp="1"/>
+          </p:cNvSpPr>
+          <p:nvPr>
+            <p:ph type="title"/>
+          </p:nvPr>
+        </p:nvSpPr>
+        <p:spPr/>
+        <p:txBody>
+          <a:bodyPr/>
+          <a:lstStyle/>
+          <a:p>
+            <a:r>
+              <a:rPr lang="en-US" dirty="0" smtClean="0"/>
+              <a:t>What’s missing</a:t>
+            </a:r>
+            <a:endParaRPr lang="en-US" dirty="0"/>
+          </a:p>
+        </p:txBody>
+      </p:sp>
+      <p:sp>
+        <p:nvSpPr>
+          <p:cNvPr id="3" name="Content Placeholder 2"/>
+          <p:cNvSpPr>
+            <a:spLocks noGrp="1"/>
+          </p:cNvSpPr>
+          <p:nvPr>
+            <p:ph idx="1"/>
+          </p:nvPr>
+        </p:nvSpPr>
+        <p:spPr/>
+        <p:txBody>
+          <a:bodyPr/>
+          <a:lstStyle/>
+          <a:p>
+            <a:r>
+              <a:rPr lang="en-US" dirty="0" smtClean="0"/>
+              <a:t>What solids concentration can membrane filters handle?</a:t>
+            </a:r>
+          </a:p>
+          <a:p>
+            <a:r>
+              <a:rPr lang="en-US" dirty="0" smtClean="0"/>
+              <a:t>How do coagulant nanoparticles interact with membrane filters?</a:t>
+            </a:r>
+          </a:p>
+          <a:p>
+            <a:r>
+              <a:rPr lang="en-US" dirty="0" smtClean="0"/>
+              <a:t>What is the mechanism responsible for head loss build up?</a:t>
+            </a:r>
+          </a:p>
+          <a:p>
+            <a:r>
+              <a:rPr lang="en-US" dirty="0" smtClean="0"/>
+              <a:t>How do membranes handle dissolved organic matter?</a:t>
+            </a:r>
+          </a:p>
+          <a:p>
+            <a:endParaRPr lang="en-US" dirty="0"/>
+          </a:p>
+        </p:txBody>
+      </p:sp>
+    </p:spTree>
+    <p:extLst>
+      <p:ext uri="{BB962C8B-B14F-4D97-AF65-F5344CB8AC3E}">
+        <p14:creationId xmlns:p14="http://schemas.microsoft.com/office/powerpoint/2010/main" val="4144791815"/>
+      </p:ext>
+    </p:extLst>
+  </p:cSld>
+  <p:clrMapOvr>
+    <a:masterClrMapping/>
+  </p:clrMapOvr>
+  <p:transition>
+    <p:fade/>
+  </p:transition>
+</p:sld>
+</file>
+
+<file path=ppt/slides/slide19.xml><?xml version="1.0" encoding="utf-8"?>
+<p:sld xmlns:a="http://schemas.openxmlformats.org/drawingml/2006/main" xmlns:r="http://schemas.openxmlformats.org/officeDocument/2006/relationships" xmlns:p="http://schemas.openxmlformats.org/presentationml/2006/main">
+  <p:cSld>
+    <p:spTree>
+      <p:nvGrpSpPr>
+        <p:cNvPr id="1" name=""/>
+        <p:cNvGrpSpPr/>
+        <p:nvPr/>
+      </p:nvGrpSpPr>
+      <p:grpSpPr>
+        <a:xfrm>
+          <a:off x="0" y="0"/>
+          <a:ext cx="0" cy="0"/>
+          <a:chOff x="0" y="0"/>
+          <a:chExt cx="0" cy="0"/>
+        </a:xfrm>
+      </p:grpSpPr>
+      <p:sp>
+        <p:nvSpPr>
+          <p:cNvPr id="2" name="Title 1"/>
+          <p:cNvSpPr>
+            <a:spLocks noGrp="1"/>
+          </p:cNvSpPr>
+          <p:nvPr>
+            <p:ph type="title"/>
+          </p:nvPr>
+        </p:nvSpPr>
+        <p:spPr/>
+        <p:txBody>
+          <a:bodyPr/>
+          <a:lstStyle/>
+          <a:p>
+            <a:r>
+              <a:rPr lang="en-US" dirty="0" smtClean="0"/>
+              <a:t>Case 1: load a membrane filter with a clay suspension</a:t>
+            </a:r>
+            <a:endParaRPr lang="en-US" dirty="0"/>
+          </a:p>
+        </p:txBody>
+      </p:sp>
+      <p:sp>
+        <p:nvSpPr>
+          <p:cNvPr id="3" name="Content Placeholder 2"/>
+          <p:cNvSpPr>
+            <a:spLocks noGrp="1"/>
+          </p:cNvSpPr>
+          <p:nvPr>
+            <p:ph idx="1"/>
+          </p:nvPr>
+        </p:nvSpPr>
+        <p:spPr/>
+        <p:txBody>
+          <a:bodyPr/>
+          <a:lstStyle/>
+          <a:p>
+            <a:r>
+              <a:rPr lang="en-US" dirty="0" smtClean="0"/>
+              <a:t>What is the head loss as a function of time assuming the clay forms a uniform layer on the membrane? </a:t>
+            </a:r>
+          </a:p>
+          <a:p>
+            <a:r>
+              <a:rPr lang="en-US" dirty="0" smtClean="0"/>
+              <a:t>Raw water turbidity = 5 NTU </a:t>
+            </a:r>
+            <a:endParaRPr lang="en-US" dirty="0"/>
+          </a:p>
+        </p:txBody>
+      </p:sp>
+    </p:spTree>
+    <p:extLst>
+      <p:ext uri="{BB962C8B-B14F-4D97-AF65-F5344CB8AC3E}">
+        <p14:creationId xmlns:p14="http://schemas.microsoft.com/office/powerpoint/2010/main" val="1266559490"/>
+      </p:ext>
+    </p:extLst>
+  </p:cSld>
+  <p:clrMapOvr>
+    <a:masterClrMapping/>
+  </p:clrMapOvr>
+  <p:transition>
+    <p:fade/>
+  </p:transition>
+</p:sld>
+</file>
+
 <file path=ppt/slides/slide2.xml><?xml version="1.0" encoding="utf-8"?>
 <p:sld xmlns:a="http://schemas.openxmlformats.org/drawingml/2006/main" xmlns:r="http://schemas.openxmlformats.org/officeDocument/2006/relationships" xmlns:p="http://schemas.openxmlformats.org/presentationml/2006/main">
   <p:cSld>
@@ -5217,6 +6101,524 @@
           <a:p>
             <a:r>
               <a:rPr lang="en-US" dirty="0" smtClean="0"/>
+              <a:t>Conventional Units in </a:t>
+            </a:r>
+            <a:r>
+              <a:rPr lang="en-US" dirty="0" err="1" smtClean="0"/>
+              <a:t>Env</a:t>
+            </a:r>
+            <a:r>
+              <a:rPr lang="en-US" dirty="0" smtClean="0"/>
+              <a:t>. Eng.</a:t>
+            </a:r>
+            <a:endParaRPr lang="en-US" dirty="0"/>
+          </a:p>
+        </p:txBody>
+      </p:sp>
+      <p:sp>
+        <p:nvSpPr>
+          <p:cNvPr id="3" name="Content Placeholder 2"/>
+          <p:cNvSpPr>
+            <a:spLocks noGrp="1"/>
+          </p:cNvSpPr>
+          <p:nvPr>
+            <p:ph idx="1"/>
+          </p:nvPr>
+        </p:nvSpPr>
+        <p:spPr/>
+        <p:txBody>
+          <a:bodyPr/>
+          <a:lstStyle/>
+          <a:p>
+            <a:r>
+              <a:rPr lang="en-US" dirty="0" smtClean="0"/>
+              <a:t>Surface loading rates</a:t>
+            </a:r>
+          </a:p>
+          <a:p>
+            <a:r>
+              <a:rPr lang="en-US" dirty="0" smtClean="0"/>
+              <a:t>Flux</a:t>
+            </a:r>
+          </a:p>
+          <a:p>
+            <a:r>
+              <a:rPr lang="en-US" dirty="0" err="1" smtClean="0"/>
+              <a:t>gpm</a:t>
+            </a:r>
+            <a:r>
+              <a:rPr lang="en-US" dirty="0" smtClean="0"/>
+              <a:t>/ft2</a:t>
+            </a:r>
+          </a:p>
+          <a:p>
+            <a:r>
+              <a:rPr lang="en-US" dirty="0" err="1" smtClean="0"/>
+              <a:t>Lph</a:t>
+            </a:r>
+            <a:r>
+              <a:rPr lang="en-US" dirty="0" smtClean="0"/>
+              <a:t>/m2</a:t>
+            </a:r>
+            <a:endParaRPr lang="en-US" dirty="0"/>
+          </a:p>
+          <a:p>
+            <a:r>
+              <a:rPr lang="en-US" dirty="0" smtClean="0"/>
+              <a:t>A modest proposal. </a:t>
+            </a:r>
+          </a:p>
+          <a:p>
+            <a:pPr lvl="1"/>
+            <a:r>
+              <a:rPr lang="en-US" dirty="0" smtClean="0"/>
+              <a:t>Let’s consistently use the simplest SI units so that we can compare across processes and bring physical insight</a:t>
+            </a:r>
+          </a:p>
+          <a:p>
+            <a:pPr lvl="1"/>
+            <a:r>
+              <a:rPr lang="en-US" dirty="0" smtClean="0"/>
+              <a:t>The standard unit of time is seconds.</a:t>
+            </a:r>
+          </a:p>
+          <a:p>
+            <a:endParaRPr lang="en-US" dirty="0" smtClean="0"/>
+          </a:p>
+        </p:txBody>
+      </p:sp>
+    </p:spTree>
+    <p:extLst>
+      <p:ext uri="{BB962C8B-B14F-4D97-AF65-F5344CB8AC3E}">
+        <p14:creationId xmlns:p14="http://schemas.microsoft.com/office/powerpoint/2010/main" val="4149792358"/>
+      </p:ext>
+    </p:extLst>
+  </p:cSld>
+  <p:clrMapOvr>
+    <a:masterClrMapping/>
+  </p:clrMapOvr>
+  <p:transition>
+    <p:fade/>
+  </p:transition>
+</p:sld>
+</file>
+
+<file path=ppt/slides/slide20.xml><?xml version="1.0" encoding="utf-8"?>
+<p:sld xmlns:a="http://schemas.openxmlformats.org/drawingml/2006/main" xmlns:r="http://schemas.openxmlformats.org/officeDocument/2006/relationships" xmlns:p="http://schemas.openxmlformats.org/presentationml/2006/main">
+  <p:cSld>
+    <p:spTree>
+      <p:nvGrpSpPr>
+        <p:cNvPr id="1" name=""/>
+        <p:cNvGrpSpPr/>
+        <p:nvPr/>
+      </p:nvGrpSpPr>
+      <p:grpSpPr>
+        <a:xfrm>
+          <a:off x="0" y="0"/>
+          <a:ext cx="0" cy="0"/>
+          <a:chOff x="0" y="0"/>
+          <a:chExt cx="0" cy="0"/>
+        </a:xfrm>
+      </p:grpSpPr>
+      <p:sp>
+        <p:nvSpPr>
+          <p:cNvPr id="2" name="Title 1"/>
+          <p:cNvSpPr>
+            <a:spLocks noGrp="1"/>
+          </p:cNvSpPr>
+          <p:nvPr>
+            <p:ph type="title"/>
+          </p:nvPr>
+        </p:nvSpPr>
+        <p:spPr/>
+        <p:txBody>
+          <a:bodyPr/>
+          <a:lstStyle/>
+          <a:p>
+            <a:r>
+              <a:rPr lang="en-US" dirty="0" smtClean="0"/>
+              <a:t>Case 2: pore blocking analysis</a:t>
+            </a:r>
+            <a:endParaRPr lang="en-US" dirty="0"/>
+          </a:p>
+        </p:txBody>
+      </p:sp>
+      <p:sp>
+        <p:nvSpPr>
+          <p:cNvPr id="3" name="Content Placeholder 2"/>
+          <p:cNvSpPr>
+            <a:spLocks noGrp="1"/>
+          </p:cNvSpPr>
+          <p:nvPr>
+            <p:ph idx="1"/>
+          </p:nvPr>
+        </p:nvSpPr>
+        <p:spPr/>
+        <p:txBody>
+          <a:bodyPr/>
+          <a:lstStyle/>
+          <a:p>
+            <a:r>
+              <a:rPr lang="en-US" dirty="0" smtClean="0"/>
+              <a:t>Each clay particle blocks one pore</a:t>
+            </a:r>
+          </a:p>
+          <a:p>
+            <a:r>
+              <a:rPr lang="en-US" dirty="0" smtClean="0"/>
+              <a:t>This causes the velocity through the remaining pores to increase and thus the head loss increases</a:t>
+            </a:r>
+            <a:endParaRPr lang="en-US" dirty="0"/>
+          </a:p>
+        </p:txBody>
+      </p:sp>
+    </p:spTree>
+    <p:extLst>
+      <p:ext uri="{BB962C8B-B14F-4D97-AF65-F5344CB8AC3E}">
+        <p14:creationId xmlns:p14="http://schemas.microsoft.com/office/powerpoint/2010/main" val="2236085261"/>
+      </p:ext>
+    </p:extLst>
+  </p:cSld>
+  <p:clrMapOvr>
+    <a:masterClrMapping/>
+  </p:clrMapOvr>
+  <p:transition>
+    <p:fade/>
+  </p:transition>
+</p:sld>
+</file>
+
+<file path=ppt/slides/slide21.xml><?xml version="1.0" encoding="utf-8"?>
+<p:sld xmlns:a="http://schemas.openxmlformats.org/drawingml/2006/main" xmlns:r="http://schemas.openxmlformats.org/officeDocument/2006/relationships" xmlns:p="http://schemas.openxmlformats.org/presentationml/2006/main">
+  <p:cSld>
+    <p:spTree>
+      <p:nvGrpSpPr>
+        <p:cNvPr id="1" name=""/>
+        <p:cNvGrpSpPr/>
+        <p:nvPr/>
+      </p:nvGrpSpPr>
+      <p:grpSpPr>
+        <a:xfrm>
+          <a:off x="0" y="0"/>
+          <a:ext cx="0" cy="0"/>
+          <a:chOff x="0" y="0"/>
+          <a:chExt cx="0" cy="0"/>
+        </a:xfrm>
+      </p:grpSpPr>
+      <p:sp>
+        <p:nvSpPr>
+          <p:cNvPr id="4" name="Title 3"/>
+          <p:cNvSpPr>
+            <a:spLocks noGrp="1"/>
+          </p:cNvSpPr>
+          <p:nvPr>
+            <p:ph type="title"/>
+          </p:nvPr>
+        </p:nvSpPr>
+        <p:spPr/>
+        <p:txBody>
+          <a:bodyPr/>
+          <a:lstStyle/>
+          <a:p>
+            <a:endParaRPr lang="en-US"/>
+          </a:p>
+        </p:txBody>
+      </p:sp>
+      <p:sp>
+        <p:nvSpPr>
+          <p:cNvPr id="5" name="TextBox 4"/>
+          <p:cNvSpPr txBox="1"/>
+          <p:nvPr/>
+        </p:nvSpPr>
+        <p:spPr>
+          <a:xfrm>
+            <a:off x="3657600" y="2299683"/>
+            <a:ext cx="5455340" cy="523220"/>
+          </a:xfrm>
+          <a:prstGeom prst="rect">
+            <a:avLst/>
+          </a:prstGeom>
+          <a:noFill/>
+        </p:spPr>
+        <p:txBody>
+          <a:bodyPr wrap="none" rtlCol="0">
+            <a:spAutoFit/>
+          </a:bodyPr>
+          <a:lstStyle/>
+          <a:p>
+            <a:r>
+              <a:rPr lang="en-US" b="0" dirty="0" smtClean="0">
+                <a:latin typeface="+mn-lt"/>
+              </a:rPr>
+              <a:t>Number clay particles per unit area</a:t>
+            </a:r>
+          </a:p>
+        </p:txBody>
+      </p:sp>
+      <p:pic>
+        <p:nvPicPr>
+          <p:cNvPr id="6" name="Picture 5">
+            <a:extLst>
+              <a:ext uri="{FF2B5EF4-FFF2-40B4-BE49-F238E27FC236}">
+                <a16:creationId xmlns:a16="http://schemas.microsoft.com/office/drawing/2014/main" id="{BC87417F-9F54-4CED-B5DA-C9668F2AF47A}"/>
+              </a:ext>
+            </a:extLst>
+          </p:cNvPr>
+          <p:cNvPicPr>
+            <a:picLocks noChangeAspect="1"/>
+          </p:cNvPicPr>
+          <p:nvPr>
+            <p:custDataLst>
+              <p:tags r:id="rId1"/>
+            </p:custDataLst>
+          </p:nvPr>
+        </p:nvPicPr>
+        <p:blipFill>
+          <a:blip r:embed="rId7" cstate="print">
+            <a:extLst>
+              <a:ext uri="{28A0092B-C50C-407E-A947-70E740481C1C}">
+                <a14:useLocalDpi xmlns:a14="http://schemas.microsoft.com/office/drawing/2010/main" val="0"/>
+              </a:ext>
+            </a:extLst>
+          </a:blip>
+          <a:stretch>
+            <a:fillRect/>
+          </a:stretch>
+        </p:blipFill>
+        <p:spPr>
+          <a:xfrm>
+            <a:off x="2308887" y="5300810"/>
+            <a:ext cx="3075429" cy="664152"/>
+          </a:xfrm>
+          <a:prstGeom prst="rect">
+            <a:avLst/>
+          </a:prstGeom>
+        </p:spPr>
+      </p:pic>
+      <p:sp>
+        <p:nvSpPr>
+          <p:cNvPr id="7" name="TextBox 6"/>
+          <p:cNvSpPr txBox="1"/>
+          <p:nvPr/>
+        </p:nvSpPr>
+        <p:spPr>
+          <a:xfrm>
+            <a:off x="4522303" y="3240633"/>
+            <a:ext cx="3047629" cy="523220"/>
+          </a:xfrm>
+          <a:prstGeom prst="rect">
+            <a:avLst/>
+          </a:prstGeom>
+          <a:noFill/>
+        </p:spPr>
+        <p:txBody>
+          <a:bodyPr wrap="none" rtlCol="0">
+            <a:spAutoFit/>
+          </a:bodyPr>
+          <a:lstStyle/>
+          <a:p>
+            <a:r>
+              <a:rPr lang="en-US" b="0" dirty="0" smtClean="0">
+                <a:latin typeface="+mn-lt"/>
+              </a:rPr>
+              <a:t>Pores per unit area</a:t>
+            </a:r>
+          </a:p>
+        </p:txBody>
+      </p:sp>
+      <p:pic>
+        <p:nvPicPr>
+          <p:cNvPr id="9" name="Picture 8"/>
+          <p:cNvPicPr>
+            <a:picLocks noChangeAspect="1"/>
+          </p:cNvPicPr>
+          <p:nvPr>
+            <p:custDataLst>
+              <p:tags r:id="rId2"/>
+            </p:custDataLst>
+          </p:nvPr>
+        </p:nvPicPr>
+        <p:blipFill>
+          <a:blip r:embed="rId8" cstate="print">
+            <a:extLst>
+              <a:ext uri="{28A0092B-C50C-407E-A947-70E740481C1C}">
+                <a14:useLocalDpi xmlns:a14="http://schemas.microsoft.com/office/drawing/2010/main" val="0"/>
+              </a:ext>
+            </a:extLst>
+          </a:blip>
+          <a:stretch>
+            <a:fillRect/>
+          </a:stretch>
+        </p:blipFill>
+        <p:spPr>
+          <a:xfrm>
+            <a:off x="2555796" y="6090106"/>
+            <a:ext cx="4074285" cy="702704"/>
+          </a:xfrm>
+          <a:prstGeom prst="rect">
+            <a:avLst/>
+          </a:prstGeom>
+        </p:spPr>
+      </p:pic>
+      <p:pic>
+        <p:nvPicPr>
+          <p:cNvPr id="10" name="Picture 9"/>
+          <p:cNvPicPr>
+            <a:picLocks noChangeAspect="1"/>
+          </p:cNvPicPr>
+          <p:nvPr>
+            <p:custDataLst>
+              <p:tags r:id="rId3"/>
+            </p:custDataLst>
+          </p:nvPr>
+        </p:nvPicPr>
+        <p:blipFill>
+          <a:blip r:embed="rId9" cstate="print">
+            <a:extLst>
+              <a:ext uri="{28A0092B-C50C-407E-A947-70E740481C1C}">
+                <a14:useLocalDpi xmlns:a14="http://schemas.microsoft.com/office/drawing/2010/main" val="0"/>
+              </a:ext>
+            </a:extLst>
+          </a:blip>
+          <a:stretch>
+            <a:fillRect/>
+          </a:stretch>
+        </p:blipFill>
+        <p:spPr>
+          <a:xfrm>
+            <a:off x="591931" y="2413139"/>
+            <a:ext cx="2505806" cy="296307"/>
+          </a:xfrm>
+          <a:prstGeom prst="rect">
+            <a:avLst/>
+          </a:prstGeom>
+        </p:spPr>
+      </p:pic>
+      <p:pic>
+        <p:nvPicPr>
+          <p:cNvPr id="13" name="Picture 12"/>
+          <p:cNvPicPr>
+            <a:picLocks noChangeAspect="1"/>
+          </p:cNvPicPr>
+          <p:nvPr>
+            <p:custDataLst>
+              <p:tags r:id="rId4"/>
+            </p:custDataLst>
+          </p:nvPr>
+        </p:nvPicPr>
+        <p:blipFill>
+          <a:blip r:embed="rId10" cstate="print">
+            <a:extLst>
+              <a:ext uri="{28A0092B-C50C-407E-A947-70E740481C1C}">
+                <a14:useLocalDpi xmlns:a14="http://schemas.microsoft.com/office/drawing/2010/main" val="0"/>
+              </a:ext>
+            </a:extLst>
+          </a:blip>
+          <a:stretch>
+            <a:fillRect/>
+          </a:stretch>
+        </p:blipFill>
+        <p:spPr>
+          <a:xfrm>
+            <a:off x="704575" y="3389140"/>
+            <a:ext cx="1677245" cy="389589"/>
+          </a:xfrm>
+          <a:prstGeom prst="rect">
+            <a:avLst/>
+          </a:prstGeom>
+        </p:spPr>
+      </p:pic>
+      <p:pic>
+        <p:nvPicPr>
+          <p:cNvPr id="15" name="Picture 14"/>
+          <p:cNvPicPr>
+            <a:picLocks noChangeAspect="1"/>
+          </p:cNvPicPr>
+          <p:nvPr>
+            <p:custDataLst>
+              <p:tags r:id="rId5"/>
+            </p:custDataLst>
+          </p:nvPr>
+        </p:nvPicPr>
+        <p:blipFill>
+          <a:blip r:embed="rId11" cstate="print">
+            <a:extLst>
+              <a:ext uri="{28A0092B-C50C-407E-A947-70E740481C1C}">
+                <a14:useLocalDpi xmlns:a14="http://schemas.microsoft.com/office/drawing/2010/main" val="0"/>
+              </a:ext>
+            </a:extLst>
+          </a:blip>
+          <a:stretch>
+            <a:fillRect/>
+          </a:stretch>
+        </p:blipFill>
+        <p:spPr>
+          <a:xfrm>
+            <a:off x="704575" y="4142742"/>
+            <a:ext cx="3427652" cy="296307"/>
+          </a:xfrm>
+          <a:prstGeom prst="rect">
+            <a:avLst/>
+          </a:prstGeom>
+        </p:spPr>
+      </p:pic>
+    </p:spTree>
+    <p:extLst>
+      <p:ext uri="{BB962C8B-B14F-4D97-AF65-F5344CB8AC3E}">
+        <p14:creationId xmlns:p14="http://schemas.microsoft.com/office/powerpoint/2010/main" val="2420873337"/>
+      </p:ext>
+    </p:extLst>
+  </p:cSld>
+  <p:clrMapOvr>
+    <a:masterClrMapping/>
+  </p:clrMapOvr>
+  <p:transition>
+    <p:fade/>
+  </p:transition>
+  <p:timing>
+    <p:tnLst>
+      <p:par>
+        <p:cTn id="1" dur="indefinite" restart="never" nodeType="tmRoot"/>
+      </p:par>
+    </p:tnLst>
+  </p:timing>
+</p:sld>
+</file>
+
+<file path=ppt/slides/slide3.xml><?xml version="1.0" encoding="utf-8"?>
+<p:sld xmlns:a="http://schemas.openxmlformats.org/drawingml/2006/main" xmlns:r="http://schemas.openxmlformats.org/officeDocument/2006/relationships" xmlns:p="http://schemas.openxmlformats.org/presentationml/2006/main">
+  <p:cSld>
+    <p:spTree>
+      <p:nvGrpSpPr>
+        <p:cNvPr id="1" name=""/>
+        <p:cNvGrpSpPr/>
+        <p:nvPr/>
+      </p:nvGrpSpPr>
+      <p:grpSpPr>
+        <a:xfrm>
+          <a:off x="0" y="0"/>
+          <a:ext cx="0" cy="0"/>
+          <a:chOff x="0" y="0"/>
+          <a:chExt cx="0" cy="0"/>
+        </a:xfrm>
+      </p:grpSpPr>
+      <p:sp>
+        <p:nvSpPr>
+          <p:cNvPr id="2" name="Title 1"/>
+          <p:cNvSpPr>
+            <a:spLocks noGrp="1"/>
+          </p:cNvSpPr>
+          <p:nvPr>
+            <p:ph type="title"/>
+          </p:nvPr>
+        </p:nvSpPr>
+        <p:spPr/>
+        <p:txBody>
+          <a:bodyPr/>
+          <a:lstStyle/>
+          <a:p>
+            <a:r>
+              <a:rPr lang="en-US" dirty="0" smtClean="0"/>
               <a:t>Membrane Filtration for Drinking Water Treatment</a:t>
             </a:r>
             <a:endParaRPr lang="en-US" dirty="0"/>
@@ -5319,7 +6721,7 @@
 </p:sld>
 </file>
 
-<file path=ppt/slides/slide3.xml><?xml version="1.0" encoding="utf-8"?>
+<file path=ppt/slides/slide4.xml><?xml version="1.0" encoding="utf-8"?>
 <p:sld xmlns:a="http://schemas.openxmlformats.org/drawingml/2006/main" xmlns:r="http://schemas.openxmlformats.org/officeDocument/2006/relationships" xmlns:p="http://schemas.openxmlformats.org/presentationml/2006/main">
   <p:cSld>
     <p:spTree>
@@ -6773,7 +8175,7 @@
 </p:sld>
 </file>
 
-<file path=ppt/slides/slide4.xml><?xml version="1.0" encoding="utf-8"?>
+<file path=ppt/slides/slide5.xml><?xml version="1.0" encoding="utf-8"?>
 <p:sld xmlns:a="http://schemas.openxmlformats.org/drawingml/2006/main" xmlns:r="http://schemas.openxmlformats.org/officeDocument/2006/relationships" xmlns:p="http://schemas.openxmlformats.org/presentationml/2006/main">
   <p:cSld>
     <p:spTree>
@@ -7571,7 +8973,7 @@
 </p:sld>
 </file>
 
-<file path=ppt/slides/slide5.xml><?xml version="1.0" encoding="utf-8"?>
+<file path=ppt/slides/slide6.xml><?xml version="1.0" encoding="utf-8"?>
 <p:sld xmlns:a="http://schemas.openxmlformats.org/drawingml/2006/main" xmlns:r="http://schemas.openxmlformats.org/officeDocument/2006/relationships" xmlns:p="http://schemas.openxmlformats.org/presentationml/2006/main">
   <p:cSld>
     <p:spTree>
@@ -7679,7 +9081,7 @@
 </p:sld>
 </file>
 
-<file path=ppt/slides/slide6.xml><?xml version="1.0" encoding="utf-8"?>
+<file path=ppt/slides/slide7.xml><?xml version="1.0" encoding="utf-8"?>
 <p:sld xmlns:a="http://schemas.openxmlformats.org/drawingml/2006/main" xmlns:r="http://schemas.openxmlformats.org/officeDocument/2006/relationships" xmlns:p="http://schemas.openxmlformats.org/presentationml/2006/main">
   <p:cSld>
     <p:spTree>
@@ -8202,7 +9604,7 @@
 </p:sld>
 </file>
 
-<file path=ppt/slides/slide7.xml><?xml version="1.0" encoding="utf-8"?>
+<file path=ppt/slides/slide8.xml><?xml version="1.0" encoding="utf-8"?>
 <p:sld xmlns:a="http://schemas.openxmlformats.org/drawingml/2006/main" xmlns:r="http://schemas.openxmlformats.org/officeDocument/2006/relationships" xmlns:p="http://schemas.openxmlformats.org/presentationml/2006/main">
   <p:cSld>
     <p:spTree>
@@ -19365,7 +20767,7 @@
 </p:sld>
 </file>
 
-<file path=ppt/slides/slide8.xml><?xml version="1.0" encoding="utf-8"?>
+<file path=ppt/slides/slide9.xml><?xml version="1.0" encoding="utf-8"?>
 <p:sld xmlns:a="http://schemas.openxmlformats.org/drawingml/2006/main" xmlns:r="http://schemas.openxmlformats.org/officeDocument/2006/relationships" xmlns:p="http://schemas.openxmlformats.org/presentationml/2006/main">
   <p:cSld>
     <p:spTree>
@@ -19498,257 +20900,6 @@
 </p:sld>
 </file>
 
-<file path=ppt/slides/slide9.xml><?xml version="1.0" encoding="utf-8"?>
-<p:sld xmlns:a="http://schemas.openxmlformats.org/drawingml/2006/main" xmlns:r="http://schemas.openxmlformats.org/officeDocument/2006/relationships" xmlns:p="http://schemas.openxmlformats.org/presentationml/2006/main">
-  <p:cSld>
-    <p:spTree>
-      <p:nvGrpSpPr>
-        <p:cNvPr id="1" name=""/>
-        <p:cNvGrpSpPr/>
-        <p:nvPr/>
-      </p:nvGrpSpPr>
-      <p:grpSpPr>
-        <a:xfrm>
-          <a:off x="0" y="0"/>
-          <a:ext cx="0" cy="0"/>
-          <a:chOff x="0" y="0"/>
-          <a:chExt cx="0" cy="0"/>
-        </a:xfrm>
-      </p:grpSpPr>
-      <p:sp>
-        <p:nvSpPr>
-          <p:cNvPr id="2" name="Title 1"/>
-          <p:cNvSpPr>
-            <a:spLocks noGrp="1"/>
-          </p:cNvSpPr>
-          <p:nvPr>
-            <p:ph type="title"/>
-          </p:nvPr>
-        </p:nvSpPr>
-        <p:spPr/>
-        <p:txBody>
-          <a:bodyPr/>
-          <a:lstStyle/>
-          <a:p>
-            <a:r>
-              <a:rPr lang="en-US" dirty="0"/>
-              <a:t>Head loss through membranes</a:t>
-            </a:r>
-          </a:p>
-        </p:txBody>
-      </p:sp>
-      <p:sp>
-        <p:nvSpPr>
-          <p:cNvPr id="3" name="Content Placeholder 2"/>
-          <p:cNvSpPr>
-            <a:spLocks noGrp="1"/>
-          </p:cNvSpPr>
-          <p:nvPr>
-            <p:ph idx="1"/>
-          </p:nvPr>
-        </p:nvSpPr>
-        <p:spPr/>
-        <p:txBody>
-          <a:bodyPr/>
-          <a:lstStyle/>
-          <a:p>
-            <a:r>
-              <a:rPr lang="en-US" dirty="0" smtClean="0"/>
-              <a:t>Given that the pore diameter and length are poorly defined, a resistance coefficient is used</a:t>
-            </a:r>
-          </a:p>
-          <a:p>
-            <a:endParaRPr lang="en-US" dirty="0"/>
-          </a:p>
-          <a:p>
-            <a:r>
-              <a:rPr lang="en-US" dirty="0" smtClean="0"/>
-              <a:t>From </a:t>
-            </a:r>
-            <a:r>
-              <a:rPr lang="en-US" dirty="0"/>
-              <a:t>Hagen </a:t>
-            </a:r>
-            <a:r>
-              <a:rPr lang="en-US" dirty="0" err="1" smtClean="0"/>
-              <a:t>Poiseuille</a:t>
-            </a:r>
-            <a:endParaRPr lang="en-US" dirty="0" smtClean="0"/>
-          </a:p>
-          <a:p>
-            <a:endParaRPr lang="en-US" dirty="0" smtClean="0"/>
-          </a:p>
-          <a:p>
-            <a:endParaRPr lang="en-US" dirty="0"/>
-          </a:p>
-          <a:p>
-            <a:r>
-              <a:rPr lang="en-US" dirty="0" smtClean="0"/>
-              <a:t>Comparing the two equations we see that</a:t>
-            </a:r>
-            <a:endParaRPr lang="en-US" dirty="0"/>
-          </a:p>
-        </p:txBody>
-      </p:sp>
-      <p:pic>
-        <p:nvPicPr>
-          <p:cNvPr id="8" name="Picture 7"/>
-          <p:cNvPicPr>
-            <a:picLocks noChangeAspect="1"/>
-          </p:cNvPicPr>
-          <p:nvPr>
-            <p:custDataLst>
-              <p:tags r:id="rId1"/>
-            </p:custDataLst>
-          </p:nvPr>
-        </p:nvPicPr>
-        <p:blipFill>
-          <a:blip r:embed="rId6" cstate="print">
-            <a:extLst>
-              <a:ext uri="{28A0092B-C50C-407E-A947-70E740481C1C}">
-                <a14:useLocalDpi xmlns:a14="http://schemas.microsoft.com/office/drawing/2010/main" val="0"/>
-              </a:ext>
-            </a:extLst>
-          </a:blip>
-          <a:stretch>
-            <a:fillRect/>
-          </a:stretch>
-        </p:blipFill>
-        <p:spPr>
-          <a:xfrm>
-            <a:off x="6026794" y="3620463"/>
-            <a:ext cx="1999467" cy="702704"/>
-          </a:xfrm>
-          <a:prstGeom prst="rect">
-            <a:avLst/>
-          </a:prstGeom>
-        </p:spPr>
-      </p:pic>
-      <p:pic>
-        <p:nvPicPr>
-          <p:cNvPr id="12" name="Picture 11"/>
-          <p:cNvPicPr>
-            <a:picLocks noChangeAspect="1"/>
-          </p:cNvPicPr>
-          <p:nvPr>
-            <p:custDataLst>
-              <p:tags r:id="rId2"/>
-            </p:custDataLst>
-          </p:nvPr>
-        </p:nvPicPr>
-        <p:blipFill>
-          <a:blip r:embed="rId7" cstate="print">
-            <a:extLst>
-              <a:ext uri="{28A0092B-C50C-407E-A947-70E740481C1C}">
-                <a14:useLocalDpi xmlns:a14="http://schemas.microsoft.com/office/drawing/2010/main" val="0"/>
-              </a:ext>
-            </a:extLst>
-          </a:blip>
-          <a:stretch>
-            <a:fillRect/>
-          </a:stretch>
-        </p:blipFill>
-        <p:spPr>
-          <a:xfrm>
-            <a:off x="1134500" y="4458606"/>
-            <a:ext cx="4074285" cy="702704"/>
-          </a:xfrm>
-          <a:prstGeom prst="rect">
-            <a:avLst/>
-          </a:prstGeom>
-        </p:spPr>
-      </p:pic>
-      <p:pic>
-        <p:nvPicPr>
-          <p:cNvPr id="11" name="Picture 10"/>
-          <p:cNvPicPr>
-            <a:picLocks noChangeAspect="1"/>
-          </p:cNvPicPr>
-          <p:nvPr>
-            <p:custDataLst>
-              <p:tags r:id="rId3"/>
-            </p:custDataLst>
-          </p:nvPr>
-        </p:nvPicPr>
-        <p:blipFill>
-          <a:blip r:embed="rId8" cstate="print">
-            <a:extLst>
-              <a:ext uri="{28A0092B-C50C-407E-A947-70E740481C1C}">
-                <a14:useLocalDpi xmlns:a14="http://schemas.microsoft.com/office/drawing/2010/main" val="0"/>
-              </a:ext>
-            </a:extLst>
-          </a:blip>
-          <a:stretch>
-            <a:fillRect/>
-          </a:stretch>
-        </p:blipFill>
-        <p:spPr>
-          <a:xfrm>
-            <a:off x="2000968" y="2871251"/>
-            <a:ext cx="1266971" cy="667656"/>
-          </a:xfrm>
-          <a:prstGeom prst="rect">
-            <a:avLst/>
-          </a:prstGeom>
-        </p:spPr>
-      </p:pic>
-      <p:pic>
-        <p:nvPicPr>
-          <p:cNvPr id="16" name="Picture 15"/>
-          <p:cNvPicPr>
-            <a:picLocks noChangeAspect="1"/>
-          </p:cNvPicPr>
-          <p:nvPr>
-            <p:custDataLst>
-              <p:tags r:id="rId4"/>
-            </p:custDataLst>
-          </p:nvPr>
-        </p:nvPicPr>
-        <p:blipFill>
-          <a:blip r:embed="rId9" cstate="print">
-            <a:extLst>
-              <a:ext uri="{28A0092B-C50C-407E-A947-70E740481C1C}">
-                <a14:useLocalDpi xmlns:a14="http://schemas.microsoft.com/office/drawing/2010/main" val="0"/>
-              </a:ext>
-            </a:extLst>
-          </a:blip>
-          <a:stretch>
-            <a:fillRect/>
-          </a:stretch>
-        </p:blipFill>
-        <p:spPr>
-          <a:xfrm>
-            <a:off x="1279863" y="6056858"/>
-            <a:ext cx="1442210" cy="595809"/>
-          </a:xfrm>
-          <a:prstGeom prst="rect">
-            <a:avLst/>
-          </a:prstGeom>
-        </p:spPr>
-      </p:pic>
-    </p:spTree>
-    <p:extLst>
-      <p:ext uri="{BB962C8B-B14F-4D97-AF65-F5344CB8AC3E}">
-        <p14:creationId xmlns:p14="http://schemas.microsoft.com/office/powerpoint/2010/main" val="3831587822"/>
-      </p:ext>
-    </p:extLst>
-  </p:cSld>
-  <p:clrMapOvr>
-    <a:masterClrMapping/>
-  </p:clrMapOvr>
-  <p:transition>
-    <p:fade/>
-  </p:transition>
-  <p:timing>
-    <p:tnLst>
-      <p:par>
-        <p:cTn id="1" dur="indefinite" restart="never" nodeType="tmRoot"/>
-      </p:par>
-    </p:tnLst>
-  </p:timing>
-</p:sld>
-</file>
-
 <file path=ppt/tags/tag1.xml><?xml version="1.0" encoding="utf-8"?>
 <p:tagLst xmlns:a="http://schemas.openxmlformats.org/drawingml/2006/main" xmlns:r="http://schemas.openxmlformats.org/officeDocument/2006/relationships" xmlns:p="http://schemas.openxmlformats.org/presentationml/2006/main">
   <p:tag name="OUTPUTDPI" val="1200"/>
@@ -19757,6 +20908,63 @@
   <p:tag name="LATEXADDIN" val="\documentclass{article}&#10;\usepackage{amsmath}&#10;\pagestyle{empty}&#10;\begin{document}&#10;$  R = 1 - \frac{C_p}{C_f}$&#10;&#10;&#10;\end{document}"/>
   <p:tag name="IGUANATEXSIZE" val="24"/>
   <p:tag name="IGUANATEXCURSOR" val="106"/>
+  <p:tag name="TRANSPARENCY" val="True"/>
+  <p:tag name="FILENAME" val=""/>
+  <p:tag name="LATEXENGINEID" val="1"/>
+  <p:tag name="TEMPFOLDER" val="c:\temp\"/>
+  <p:tag name="LATEXFORMHEIGHT" val="312"/>
+  <p:tag name="LATEXFORMWIDTH" val="384"/>
+  <p:tag name="LATEXFORMWRAP" val="True"/>
+  <p:tag name="BITMAPVECTOR" val="0"/>
+</p:tagLst>
+</file>
+
+<file path=ppt/tags/tag10.xml><?xml version="1.0" encoding="utf-8"?>
+<p:tagLst xmlns:a="http://schemas.openxmlformats.org/drawingml/2006/main" xmlns:r="http://schemas.openxmlformats.org/officeDocument/2006/relationships" xmlns:p="http://schemas.openxmlformats.org/presentationml/2006/main">
+  <p:tag name="OUTPUTDPI" val="1200"/>
+  <p:tag name="ORIGINALHEIGHT" val="121.5169"/>
+  <p:tag name="ORIGINALWIDTH" val="1027.643"/>
+  <p:tag name="LATEXADDIN" val="\documentclass{article}&#10;\usepackage{amsmath}&#10;\pagestyle{empty}&#10;\begin{document}&#10;$  N_{clogged} = V_a t n_{clay}$&#10;&#10;&#10;\end{document}"/>
+  <p:tag name="IGUANATEXSIZE" val="24"/>
+  <p:tag name="IGUANATEXCURSOR" val="111"/>
+  <p:tag name="TRANSPARENCY" val="True"/>
+  <p:tag name="FILENAME" val=""/>
+  <p:tag name="LATEXENGINEID" val="1"/>
+  <p:tag name="TEMPFOLDER" val="c:\temp\"/>
+  <p:tag name="LATEXFORMHEIGHT" val="312"/>
+  <p:tag name="LATEXFORMWIDTH" val="384"/>
+  <p:tag name="LATEXFORMWRAP" val="True"/>
+  <p:tag name="BITMAPVECTOR" val="0"/>
+</p:tagLst>
+</file>
+
+<file path=ppt/tags/tag11.xml><?xml version="1.0" encoding="utf-8"?>
+<p:tagLst xmlns:a="http://schemas.openxmlformats.org/drawingml/2006/main" xmlns:r="http://schemas.openxmlformats.org/officeDocument/2006/relationships" xmlns:p="http://schemas.openxmlformats.org/presentationml/2006/main">
+  <p:tag name="OUTPUTDPI" val="1200"/>
+  <p:tag name="ORIGINALHEIGHT" val="159.7723"/>
+  <p:tag name="ORIGINALWIDTH" val="687.846"/>
+  <p:tag name="LATEXADDIN" val="\documentclass{article}&#10;\usepackage{amsmath}&#10;\pagestyle{empty}&#10;\begin{document}&#10;$  N_{pores} = \frac{4\phi}{\pi d^2}$&#10;&#10;&#10;\end{document}"/>
+  <p:tag name="IGUANATEXSIZE" val="24"/>
+  <p:tag name="IGUANATEXCURSOR" val="107"/>
+  <p:tag name="TRANSPARENCY" val="True"/>
+  <p:tag name="FILENAME" val=""/>
+  <p:tag name="LATEXENGINEID" val="1"/>
+  <p:tag name="TEMPFOLDER" val="c:\temp\"/>
+  <p:tag name="LATEXFORMHEIGHT" val="312"/>
+  <p:tag name="LATEXFORMWIDTH" val="384"/>
+  <p:tag name="LATEXFORMWRAP" val="True"/>
+  <p:tag name="BITMAPVECTOR" val="0"/>
+</p:tagLst>
+</file>
+
+<file path=ppt/tags/tag12.xml><?xml version="1.0" encoding="utf-8"?>
+<p:tagLst xmlns:a="http://schemas.openxmlformats.org/drawingml/2006/main" xmlns:r="http://schemas.openxmlformats.org/officeDocument/2006/relationships" xmlns:p="http://schemas.openxmlformats.org/presentationml/2006/main">
+  <p:tag name="OUTPUTDPI" val="1200"/>
+  <p:tag name="ORIGINALHEIGHT" val="121.5169"/>
+  <p:tag name="ORIGINALWIDTH" val="1405.696"/>
+  <p:tag name="LATEXADDIN" val="\documentclass{article}&#10;\usepackage{amsmath}&#10;\pagestyle{empty}&#10;\begin{document}&#10;$  N_{open} = N_{pores} - N_{clogged}$&#10;&#10;&#10;\end{document}"/>
+  <p:tag name="IGUANATEXSIZE" val="24"/>
+  <p:tag name="IGUANATEXCURSOR" val="117"/>
   <p:tag name="TRANSPARENCY" val="True"/>
   <p:tag name="FILENAME" val=""/>
   <p:tag name="LATEXENGINEID" val="1"/>
@@ -19874,6 +21082,44 @@
   <p:tag name="TRANSPARENCY" val="True"/>
   <p:tag name="FILENAME" val=""/>
   <p:tag name="LATEXENGINEID" val="1"/>
+  <p:tag name="TEMPFOLDER" val="c:\temp\"/>
+  <p:tag name="LATEXFORMHEIGHT" val="312"/>
+  <p:tag name="LATEXFORMWIDTH" val="384"/>
+  <p:tag name="LATEXFORMWRAP" val="True"/>
+  <p:tag name="BITMAPVECTOR" val="0"/>
+</p:tagLst>
+</file>
+
+<file path=ppt/tags/tag8.xml><?xml version="1.0" encoding="utf-8"?>
+<p:tagLst xmlns:a="http://schemas.openxmlformats.org/drawingml/2006/main" xmlns:r="http://schemas.openxmlformats.org/officeDocument/2006/relationships" xmlns:p="http://schemas.openxmlformats.org/presentationml/2006/main">
+  <p:tag name="OUTPUTDPI" val="1200"/>
+  <p:tag name="ORIGINALHEIGHT" val="284.2145"/>
+  <p:tag name="ORIGINALWIDTH" val="1316.086"/>
+  <p:tag name="LATEXADDIN" val="\documentclass{article}&#10;\usepackage{amsmath}&#10;\pagestyle{empty}&#10;\begin{document}&#10;&#10;$$ h_{\rm{f}} = \frac{32\mu LV}{\rho gD^2} = \frac{128\mu LQ}{\rho g\pi D^4}$$&#10;&#10;&#10;\end{document}"/>
+  <p:tag name="IGUANATEXSIZE" val="23"/>
+  <p:tag name="IGUANATEXCURSOR" val="157"/>
+  <p:tag name="TRANSPARENCY" val="True"/>
+  <p:tag name="FILENAME" val=""/>
+  <p:tag name="LATEXENGINEID" val="0"/>
+  <p:tag name="TEMPFOLDER" val="c:\temp\"/>
+  <p:tag name="LATEXFORMHEIGHT" val="312"/>
+  <p:tag name="LATEXFORMWIDTH" val="384"/>
+  <p:tag name="LATEXFORMWRAP" val="True"/>
+  <p:tag name="BITMAPVECTOR" val="0"/>
+</p:tagLst>
+</file>
+
+<file path=ppt/tags/tag9.xml><?xml version="1.0" encoding="utf-8"?>
+<p:tagLst xmlns:a="http://schemas.openxmlformats.org/drawingml/2006/main" xmlns:r="http://schemas.openxmlformats.org/officeDocument/2006/relationships" xmlns:p="http://schemas.openxmlformats.org/presentationml/2006/main">
+  <p:tag name="OUTPUTDPI" val="1200"/>
+  <p:tag name="ORIGINALHEIGHT" val="300.7124"/>
+  <p:tag name="ORIGINALWIDTH" val="1743.532"/>
+  <p:tag name="LATEXADDIN" val="\documentclass{article}&#10;\usepackage{amsmath}&#10;\pagestyle{empty}&#10;\begin{document}&#10;&#10;$$V_a = \frac{V_{pore}}{\phi}= \frac{h_{\rm{f}}\rho gD^2}{32\phi\mu L} = \frac{\Delta P D^2}{32\phi\mu L} $$&#10;&#10;&#10;\end{document}"/>
+  <p:tag name="IGUANATEXSIZE" val="23"/>
+  <p:tag name="IGUANATEXCURSOR" val="169"/>
+  <p:tag name="TRANSPARENCY" val="True"/>
+  <p:tag name="FILENAME" val=""/>
+  <p:tag name="LATEXENGINEID" val="0"/>
   <p:tag name="TEMPFOLDER" val="c:\temp\"/>
   <p:tag name="LATEXFORMHEIGHT" val="312"/>
   <p:tag name="LATEXFORMWIDTH" val="384"/>

--- a/Lectures/In Class/Membrane Filtration.pptx
+++ b/Lectures/In Class/Membrane Filtration.pptx
@@ -5,10 +5,10 @@
     <p:sldMasterId id="2147483730" r:id="rId1"/>
   </p:sldMasterIdLst>
   <p:notesMasterIdLst>
-    <p:notesMasterId r:id="rId23"/>
+    <p:notesMasterId r:id="rId24"/>
   </p:notesMasterIdLst>
   <p:handoutMasterIdLst>
-    <p:handoutMasterId r:id="rId24"/>
+    <p:handoutMasterId r:id="rId25"/>
   </p:handoutMasterIdLst>
   <p:sldIdLst>
     <p:sldId id="256" r:id="rId2"/>
@@ -26,12 +26,13 @@
     <p:sldId id="265" r:id="rId14"/>
     <p:sldId id="268" r:id="rId15"/>
     <p:sldId id="269" r:id="rId16"/>
-    <p:sldId id="270" r:id="rId17"/>
-    <p:sldId id="274" r:id="rId18"/>
-    <p:sldId id="271" r:id="rId19"/>
-    <p:sldId id="273" r:id="rId20"/>
-    <p:sldId id="276" r:id="rId21"/>
-    <p:sldId id="277" r:id="rId22"/>
+    <p:sldId id="278" r:id="rId17"/>
+    <p:sldId id="270" r:id="rId18"/>
+    <p:sldId id="274" r:id="rId19"/>
+    <p:sldId id="271" r:id="rId20"/>
+    <p:sldId id="277" r:id="rId21"/>
+    <p:sldId id="273" r:id="rId22"/>
+    <p:sldId id="276" r:id="rId23"/>
   </p:sldIdLst>
   <p:sldSz cx="9144000" cy="6858000" type="screen4x3"/>
   <p:notesSz cx="7315200" cy="9601200"/>
@@ -1128,6 +1129,313 @@
 </p:notes>
 </file>
 
+<file path=ppt/notesSlides/notesSlide10.xml><?xml version="1.0" encoding="utf-8"?>
+<p:notes xmlns:a="http://schemas.openxmlformats.org/drawingml/2006/main" xmlns:r="http://schemas.openxmlformats.org/officeDocument/2006/relationships" xmlns:p="http://schemas.openxmlformats.org/presentationml/2006/main">
+  <p:cSld>
+    <p:spTree>
+      <p:nvGrpSpPr>
+        <p:cNvPr id="1" name=""/>
+        <p:cNvGrpSpPr/>
+        <p:nvPr/>
+      </p:nvGrpSpPr>
+      <p:grpSpPr>
+        <a:xfrm>
+          <a:off x="0" y="0"/>
+          <a:ext cx="0" cy="0"/>
+          <a:chOff x="0" y="0"/>
+          <a:chExt cx="0" cy="0"/>
+        </a:xfrm>
+      </p:grpSpPr>
+      <p:sp>
+        <p:nvSpPr>
+          <p:cNvPr id="2" name="Slide Image Placeholder 1"/>
+          <p:cNvSpPr>
+            <a:spLocks noGrp="1" noRot="1" noChangeAspect="1"/>
+          </p:cNvSpPr>
+          <p:nvPr>
+            <p:ph type="sldImg"/>
+          </p:nvPr>
+        </p:nvSpPr>
+        <p:spPr/>
+      </p:sp>
+      <p:sp>
+        <p:nvSpPr>
+          <p:cNvPr id="3" name="Notes Placeholder 2"/>
+          <p:cNvSpPr>
+            <a:spLocks noGrp="1"/>
+          </p:cNvSpPr>
+          <p:nvPr>
+            <p:ph type="body" idx="1"/>
+          </p:nvPr>
+        </p:nvSpPr>
+        <p:spPr/>
+        <p:txBody>
+          <a:bodyPr/>
+          <a:lstStyle/>
+          <a:p>
+            <a:r>
+              <a:rPr lang="en-US" dirty="0" smtClean="0"/>
+              <a:t>d=100 * </a:t>
+            </a:r>
+            <a:r>
+              <a:rPr lang="en-US" dirty="0" err="1" smtClean="0"/>
+              <a:t>u.nm</a:t>
+            </a:r>
+            <a:r>
+              <a:rPr lang="en-US" dirty="0" smtClean="0"/>
+              <a:t>  </a:t>
+            </a:r>
+          </a:p>
+          <a:p>
+            <a:r>
+              <a:rPr lang="en-US" dirty="0" smtClean="0"/>
+              <a:t>L = 1000*d</a:t>
+            </a:r>
+          </a:p>
+          <a:p>
+            <a:r>
+              <a:rPr lang="en-US" dirty="0" err="1" smtClean="0"/>
+              <a:t>V_a</a:t>
+            </a:r>
+            <a:r>
+              <a:rPr lang="en-US" dirty="0" smtClean="0"/>
+              <a:t> = 8 * u.um/</a:t>
+            </a:r>
+            <a:r>
+              <a:rPr lang="en-US" dirty="0" err="1" smtClean="0"/>
+              <a:t>u.s</a:t>
+            </a:r>
+            <a:r>
+              <a:rPr lang="en-US" dirty="0" smtClean="0"/>
+              <a:t>  </a:t>
+            </a:r>
+          </a:p>
+          <a:p>
+            <a:r>
+              <a:rPr lang="en-US" dirty="0" err="1" smtClean="0"/>
+              <a:t>membrane_porosity</a:t>
+            </a:r>
+            <a:r>
+              <a:rPr lang="en-US" dirty="0" smtClean="0"/>
+              <a:t> = 0.15</a:t>
+            </a:r>
+          </a:p>
+          <a:p>
+            <a:r>
+              <a:rPr lang="en-US" dirty="0" err="1" smtClean="0"/>
+              <a:t>clay_porosity</a:t>
+            </a:r>
+            <a:r>
+              <a:rPr lang="en-US" dirty="0" smtClean="0"/>
+              <a:t> = 0.4</a:t>
+            </a:r>
+          </a:p>
+          <a:p>
+            <a:r>
+              <a:rPr lang="en-US" dirty="0" smtClean="0"/>
+              <a:t>Temp=15*</a:t>
+            </a:r>
+            <a:r>
+              <a:rPr lang="en-US" dirty="0" err="1" smtClean="0"/>
+              <a:t>u.degC</a:t>
+            </a:r>
+            <a:endParaRPr lang="en-US" dirty="0" smtClean="0"/>
+          </a:p>
+          <a:p>
+            <a:r>
+              <a:rPr lang="en-US" dirty="0" err="1" smtClean="0"/>
+              <a:t>Membrane_HL</a:t>
+            </a:r>
+            <a:r>
+              <a:rPr lang="en-US" dirty="0" smtClean="0"/>
+              <a:t> =( 32*</a:t>
+            </a:r>
+            <a:r>
+              <a:rPr lang="en-US" dirty="0" err="1" smtClean="0"/>
+              <a:t>pc.viscosity_dynamic</a:t>
+            </a:r>
+            <a:r>
+              <a:rPr lang="en-US" dirty="0" smtClean="0"/>
+              <a:t>(Temp)*L*</a:t>
+            </a:r>
+            <a:r>
+              <a:rPr lang="en-US" dirty="0" err="1" smtClean="0"/>
+              <a:t>V_a</a:t>
+            </a:r>
+            <a:r>
+              <a:rPr lang="en-US" dirty="0" smtClean="0"/>
+              <a:t>/(</a:t>
+            </a:r>
+            <a:r>
+              <a:rPr lang="en-US" dirty="0" err="1" smtClean="0"/>
+              <a:t>membrane_porosity</a:t>
+            </a:r>
+            <a:r>
+              <a:rPr lang="en-US" dirty="0" smtClean="0"/>
+              <a:t>*</a:t>
+            </a:r>
+            <a:r>
+              <a:rPr lang="en-US" dirty="0" err="1" smtClean="0"/>
+              <a:t>pc.density_water</a:t>
+            </a:r>
+            <a:r>
+              <a:rPr lang="en-US" dirty="0" smtClean="0"/>
+              <a:t>(Temp)*</a:t>
+            </a:r>
+            <a:r>
+              <a:rPr lang="en-US" dirty="0" err="1" smtClean="0"/>
+              <a:t>u.standard_gravity</a:t>
+            </a:r>
+            <a:r>
+              <a:rPr lang="en-US" dirty="0" smtClean="0"/>
+              <a:t>*d**2)).to(u.cm)</a:t>
+            </a:r>
+          </a:p>
+          <a:p>
+            <a:r>
+              <a:rPr lang="en-US" dirty="0" err="1" smtClean="0"/>
+              <a:t>Clay_density</a:t>
+            </a:r>
+            <a:r>
+              <a:rPr lang="en-US" dirty="0" smtClean="0"/>
+              <a:t> = 2650 * u.kg/</a:t>
+            </a:r>
+            <a:r>
+              <a:rPr lang="en-US" dirty="0" err="1" smtClean="0"/>
+              <a:t>u.m</a:t>
+            </a:r>
+            <a:r>
+              <a:rPr lang="en-US" dirty="0" smtClean="0"/>
+              <a:t>**3</a:t>
+            </a:r>
+          </a:p>
+          <a:p>
+            <a:r>
+              <a:rPr lang="en-US" dirty="0" err="1" smtClean="0"/>
+              <a:t>Clay_C</a:t>
+            </a:r>
+            <a:r>
+              <a:rPr lang="en-US" dirty="0" smtClean="0"/>
+              <a:t> = 5 * </a:t>
+            </a:r>
+            <a:r>
+              <a:rPr lang="en-US" dirty="0" err="1" smtClean="0"/>
+              <a:t>u.NTU</a:t>
+            </a:r>
+            <a:endParaRPr lang="en-US" dirty="0" smtClean="0"/>
+          </a:p>
+          <a:p>
+            <a:r>
+              <a:rPr lang="en-US" dirty="0" err="1" smtClean="0"/>
+              <a:t>Clay_layer_V</a:t>
+            </a:r>
+            <a:r>
+              <a:rPr lang="en-US" dirty="0" smtClean="0"/>
+              <a:t> = </a:t>
+            </a:r>
+            <a:r>
+              <a:rPr lang="en-US" dirty="0" err="1" smtClean="0"/>
+              <a:t>V_a</a:t>
+            </a:r>
+            <a:r>
+              <a:rPr lang="en-US" dirty="0" smtClean="0"/>
+              <a:t>*</a:t>
+            </a:r>
+            <a:r>
+              <a:rPr lang="en-US" dirty="0" err="1" smtClean="0"/>
+              <a:t>Clay_C</a:t>
+            </a:r>
+            <a:r>
+              <a:rPr lang="en-US" dirty="0" smtClean="0"/>
+              <a:t>/(</a:t>
+            </a:r>
+            <a:r>
+              <a:rPr lang="en-US" dirty="0" err="1" smtClean="0"/>
+              <a:t>Clay_density</a:t>
+            </a:r>
+            <a:r>
+              <a:rPr lang="en-US" dirty="0" smtClean="0"/>
+              <a:t>*(1-clay_porosity))</a:t>
+            </a:r>
+          </a:p>
+          <a:p>
+            <a:r>
+              <a:rPr lang="en-US" dirty="0" smtClean="0"/>
+              <a:t>t = 1*u.hr</a:t>
+            </a:r>
+          </a:p>
+          <a:p>
+            <a:r>
+              <a:rPr lang="en-US" dirty="0" err="1" smtClean="0"/>
+              <a:t>Clay_layer_t</a:t>
+            </a:r>
+            <a:r>
+              <a:rPr lang="en-US" dirty="0" smtClean="0"/>
+              <a:t> =( </a:t>
+            </a:r>
+            <a:r>
+              <a:rPr lang="en-US" dirty="0" err="1" smtClean="0"/>
+              <a:t>Clay_layer_V</a:t>
+            </a:r>
+            <a:r>
+              <a:rPr lang="en-US" dirty="0" smtClean="0"/>
+              <a:t> * t).to(</a:t>
+            </a:r>
+            <a:r>
+              <a:rPr lang="en-US" dirty="0" err="1" smtClean="0"/>
+              <a:t>u.nm</a:t>
+            </a:r>
+            <a:r>
+              <a:rPr lang="en-US" dirty="0" smtClean="0"/>
+              <a:t>)</a:t>
+            </a:r>
+          </a:p>
+          <a:p>
+            <a:r>
+              <a:rPr lang="en-US" dirty="0" err="1" smtClean="0"/>
+              <a:t>Clay_layer_t</a:t>
+            </a:r>
+            <a:endParaRPr lang="en-US" dirty="0"/>
+          </a:p>
+        </p:txBody>
+      </p:sp>
+      <p:sp>
+        <p:nvSpPr>
+          <p:cNvPr id="4" name="Slide Number Placeholder 3"/>
+          <p:cNvSpPr>
+            <a:spLocks noGrp="1"/>
+          </p:cNvSpPr>
+          <p:nvPr>
+            <p:ph type="sldNum" sz="quarter" idx="10"/>
+          </p:nvPr>
+        </p:nvSpPr>
+        <p:spPr/>
+        <p:txBody>
+          <a:bodyPr/>
+          <a:lstStyle/>
+          <a:p>
+            <a:fld id="{F6B90027-AD36-416E-8B0F-CCCC7E8FF223}" type="slidenum">
+              <a:rPr lang="en-US" smtClean="0"/>
+              <a:pPr/>
+              <a:t>21</a:t>
+            </a:fld>
+            <a:endParaRPr lang="en-US"/>
+          </a:p>
+        </p:txBody>
+      </p:sp>
+    </p:spTree>
+    <p:extLst>
+      <p:ext uri="{BB962C8B-B14F-4D97-AF65-F5344CB8AC3E}">
+        <p14:creationId xmlns:p14="http://schemas.microsoft.com/office/powerpoint/2010/main" val="1422431564"/>
+      </p:ext>
+    </p:extLst>
+  </p:cSld>
+  <p:clrMapOvr>
+    <a:masterClrMapping/>
+  </p:clrMapOvr>
+</p:notes>
+</file>
+
 <file path=ppt/notesSlides/notesSlide2.xml><?xml version="1.0" encoding="utf-8"?>
 <p:notes xmlns:a="http://schemas.openxmlformats.org/drawingml/2006/main" xmlns:r="http://schemas.openxmlformats.org/officeDocument/2006/relationships" xmlns:p="http://schemas.openxmlformats.org/presentationml/2006/main">
   <p:cSld>
@@ -1850,237 +2158,7 @@
                 <a:ea typeface="+mn-ea"/>
                 <a:cs typeface="+mn-cs"/>
               </a:rPr>
-              <a:t>$14,800,000</a:t>
-            </a:r>
-          </a:p>
-          <a:p>
-            <a:r>
-              <a:rPr lang="en-US" dirty="0" smtClean="0">
-                <a:hlinkClick r:id="rId3"/>
-              </a:rPr>
-              <a:t>https://www.kpaengineers.com/portfolio-items/membrane-filtration-plant/</a:t>
-            </a:r>
-            <a:endParaRPr lang="en-US" dirty="0" smtClean="0"/>
-          </a:p>
-          <a:p>
-            <a:r>
-              <a:rPr lang="en-US" sz="1200" b="0" i="0" kern="1200" dirty="0" smtClean="0">
-                <a:solidFill>
-                  <a:schemeClr val="tx1"/>
-                </a:solidFill>
-                <a:effectLst/>
-                <a:latin typeface="Arial" pitchFamily="34" charset="0"/>
-                <a:ea typeface="+mn-ea"/>
-                <a:cs typeface="+mn-cs"/>
-              </a:rPr>
-              <a:t>15 MGD</a:t>
-            </a:r>
-          </a:p>
-          <a:p>
-            <a:r>
-              <a:rPr lang="en-US" sz="1200" b="0" i="0" kern="1200" dirty="0" smtClean="0">
-                <a:solidFill>
-                  <a:schemeClr val="tx1"/>
-                </a:solidFill>
-                <a:effectLst/>
-                <a:latin typeface="Arial" pitchFamily="34" charset="0"/>
-                <a:ea typeface="+mn-ea"/>
-                <a:cs typeface="+mn-cs"/>
-              </a:rPr>
-              <a:t>No pretreatment</a:t>
-            </a:r>
-          </a:p>
-          <a:p>
-            <a:r>
-              <a:rPr lang="en-US" sz="1200" b="0" i="0" kern="1200" dirty="0" smtClean="0">
-                <a:solidFill>
-                  <a:schemeClr val="tx1"/>
-                </a:solidFill>
-                <a:effectLst/>
-                <a:latin typeface="Arial" pitchFamily="34" charset="0"/>
-                <a:ea typeface="+mn-ea"/>
-                <a:cs typeface="+mn-cs"/>
-              </a:rPr>
-              <a:t>$22500 /(L/s)</a:t>
-            </a:r>
-          </a:p>
-          <a:p>
-            <a:endParaRPr lang="en-US" sz="1200" b="0" i="0" kern="1200" dirty="0" smtClean="0">
-              <a:solidFill>
-                <a:schemeClr val="tx1"/>
-              </a:solidFill>
-              <a:effectLst/>
-              <a:latin typeface="Arial" pitchFamily="34" charset="0"/>
-              <a:ea typeface="+mn-ea"/>
-              <a:cs typeface="+mn-cs"/>
-            </a:endParaRPr>
-          </a:p>
-          <a:p>
-            <a:r>
-              <a:rPr lang="en-US" sz="1200" b="0" i="0" kern="1200" dirty="0" err="1" smtClean="0">
-                <a:solidFill>
-                  <a:schemeClr val="tx1"/>
-                </a:solidFill>
-                <a:effectLst/>
-                <a:latin typeface="Arial" pitchFamily="34" charset="0"/>
-                <a:ea typeface="+mn-ea"/>
-                <a:cs typeface="+mn-cs"/>
-              </a:rPr>
-              <a:t>Actuually</a:t>
-            </a:r>
-            <a:r>
-              <a:rPr lang="en-US" sz="1200" b="0" i="0" kern="1200" dirty="0" smtClean="0">
-                <a:solidFill>
-                  <a:schemeClr val="tx1"/>
-                </a:solidFill>
-                <a:effectLst/>
-                <a:latin typeface="Arial" pitchFamily="34" charset="0"/>
-                <a:ea typeface="+mn-ea"/>
-                <a:cs typeface="+mn-cs"/>
-              </a:rPr>
-              <a:t> operates at 11.6 MGD</a:t>
-            </a:r>
-          </a:p>
-          <a:p>
-            <a:endParaRPr lang="en-US" sz="1200" b="0" i="0" kern="1200" dirty="0" smtClean="0">
-              <a:solidFill>
-                <a:schemeClr val="tx1"/>
-              </a:solidFill>
-              <a:effectLst/>
-              <a:latin typeface="Arial" pitchFamily="34" charset="0"/>
-              <a:ea typeface="+mn-ea"/>
-              <a:cs typeface="+mn-cs"/>
-            </a:endParaRPr>
-          </a:p>
-          <a:p>
-            <a:r>
-              <a:rPr lang="en-US" sz="1200" b="1" i="0" kern="1200" dirty="0" smtClean="0">
-                <a:solidFill>
-                  <a:schemeClr val="tx1"/>
-                </a:solidFill>
-                <a:effectLst/>
-                <a:latin typeface="Arial" pitchFamily="34" charset="0"/>
-                <a:ea typeface="+mn-ea"/>
-                <a:cs typeface="+mn-cs"/>
-              </a:rPr>
-              <a:t>Project Description:</a:t>
-            </a:r>
-            <a:r>
-              <a:rPr lang="en-US" sz="1200" b="0" i="0" kern="1200" dirty="0" smtClean="0">
-                <a:solidFill>
-                  <a:schemeClr val="tx1"/>
-                </a:solidFill>
-                <a:effectLst/>
-                <a:latin typeface="Arial" pitchFamily="34" charset="0"/>
-                <a:ea typeface="+mn-ea"/>
-                <a:cs typeface="+mn-cs"/>
-              </a:rPr>
-              <a:t> The City of Temple, Texas owns and operates the 11.6 MGD Membrane Water Treatment Plant. The plant was placed into operation in 2004 and operated as originally designed for the first 12 to 15 months. However, over the past several years the plant has not been able to consistently operate at the design capacity. $590,524 to upgrade the chemical cleaning</a:t>
-            </a:r>
-          </a:p>
-          <a:p>
-            <a:endParaRPr lang="en-US" sz="1200" b="0" i="0" kern="1200" dirty="0" smtClean="0">
-              <a:solidFill>
-                <a:schemeClr val="tx1"/>
-              </a:solidFill>
-              <a:effectLst/>
-              <a:latin typeface="Arial" pitchFamily="34" charset="0"/>
-              <a:ea typeface="+mn-ea"/>
-              <a:cs typeface="+mn-cs"/>
-            </a:endParaRPr>
-          </a:p>
-          <a:p>
-            <a:r>
-              <a:rPr lang="en-US" sz="1200" b="0" i="0" kern="1200" dirty="0" smtClean="0">
-                <a:solidFill>
-                  <a:schemeClr val="tx1"/>
-                </a:solidFill>
-                <a:effectLst/>
-                <a:latin typeface="Arial" pitchFamily="34" charset="0"/>
-                <a:ea typeface="+mn-ea"/>
-                <a:cs typeface="+mn-cs"/>
-              </a:rPr>
-              <a:t>Realized they needed pretreatment in 2008</a:t>
-            </a:r>
-          </a:p>
-          <a:p>
-            <a:r>
-              <a:rPr lang="en-US" sz="1200" b="0" i="0" kern="1200" dirty="0" smtClean="0">
-                <a:solidFill>
-                  <a:schemeClr val="tx1"/>
-                </a:solidFill>
-                <a:effectLst/>
-                <a:latin typeface="Arial" pitchFamily="34" charset="0"/>
-                <a:ea typeface="+mn-ea"/>
-                <a:cs typeface="+mn-cs"/>
-              </a:rPr>
-              <a:t>Flocculation/Sedimentation $2,607,785</a:t>
-            </a:r>
-          </a:p>
-          <a:p>
-            <a:endParaRPr lang="en-US" sz="1200" b="0" i="0" kern="1200" dirty="0" smtClean="0">
-              <a:solidFill>
-                <a:schemeClr val="tx1"/>
-              </a:solidFill>
-              <a:effectLst/>
-              <a:latin typeface="Arial" pitchFamily="34" charset="0"/>
-              <a:ea typeface="+mn-ea"/>
-              <a:cs typeface="+mn-cs"/>
-            </a:endParaRPr>
-          </a:p>
-          <a:p>
-            <a:r>
-              <a:rPr lang="en-US" sz="1200" b="0" i="0" kern="1200" dirty="0" smtClean="0">
-                <a:solidFill>
-                  <a:schemeClr val="tx1"/>
-                </a:solidFill>
-                <a:effectLst/>
-                <a:latin typeface="Arial" pitchFamily="34" charset="0"/>
-                <a:ea typeface="+mn-ea"/>
-                <a:cs typeface="+mn-cs"/>
-              </a:rPr>
-              <a:t>2017 down to 6 </a:t>
-            </a:r>
-            <a:r>
-              <a:rPr lang="en-US" sz="1200" b="0" i="0" kern="1200" dirty="0" err="1" smtClean="0">
-                <a:solidFill>
-                  <a:schemeClr val="tx1"/>
-                </a:solidFill>
-                <a:effectLst/>
-                <a:latin typeface="Arial" pitchFamily="34" charset="0"/>
-                <a:ea typeface="+mn-ea"/>
-                <a:cs typeface="+mn-cs"/>
-              </a:rPr>
-              <a:t>mgd</a:t>
-            </a:r>
-            <a:endParaRPr lang="en-US" dirty="0" smtClean="0"/>
-          </a:p>
-          <a:p>
-            <a:r>
-              <a:rPr lang="en-US" dirty="0" smtClean="0">
-                <a:hlinkClick r:id="rId4"/>
-              </a:rPr>
-              <a:t>http://www.tdtnews.com/news/article_679b5530-a629-11e7-8d69-0ff68a1a883c.html</a:t>
-            </a:r>
-            <a:endParaRPr lang="en-US" dirty="0" smtClean="0"/>
-          </a:p>
-          <a:p>
-            <a:endParaRPr lang="en-US" dirty="0" smtClean="0"/>
-          </a:p>
-          <a:p>
-            <a:r>
-              <a:rPr lang="en-US" dirty="0" smtClean="0"/>
-              <a:t>See </a:t>
-            </a:r>
-            <a:r>
-              <a:rPr lang="en-US" dirty="0" smtClean="0">
-                <a:hlinkClick r:id="rId5"/>
-              </a:rPr>
-              <a:t>https://moralescompany.com/completed-projects/water-treatment-plants</a:t>
-            </a:r>
-            <a:r>
-              <a:rPr lang="en-US" dirty="0" smtClean="0"/>
-              <a:t> for lots of photos</a:t>
+              <a:t>Backwash velocities are generally much higher than filtration velocities.  The correct value is more of a black art than a science because it depends on how the particles adhere to each other and to the membrane as well as whether some fraction penetrates into the pores and how tortuous those pores are.  It is generally impossible to remove particles that have entered the pore structure, but it is possible to move them sometimes and make them pack into a tighter, less porous, structure.  Generally a high enough velocity to displace the cake in a single pulse is desirable.  If not enough energy is used, the cake can crack but still remain attached to the membrane.  The backwash preferentially flows through the cracks, leaving much of the cake behind.  Another consideration is the total volume of backwash.  It must be sufficient to move the particles far enough away from the membrane that they settle out and are not re-entrained when forward flow resumes. Mark Hurwitz</a:t>
             </a:r>
             <a:endParaRPr lang="en-US" dirty="0"/>
           </a:p>
@@ -2113,7 +2191,7 @@
     </p:spTree>
     <p:extLst>
       <p:ext uri="{BB962C8B-B14F-4D97-AF65-F5344CB8AC3E}">
-        <p14:creationId xmlns:p14="http://schemas.microsoft.com/office/powerpoint/2010/main" val="47174142"/>
+        <p14:creationId xmlns:p14="http://schemas.microsoft.com/office/powerpoint/2010/main" val="2073654256"/>
       </p:ext>
     </p:extLst>
   </p:cSld>
@@ -2167,6 +2245,333 @@
           <a:bodyPr/>
           <a:lstStyle/>
           <a:p>
+            <a:r>
+              <a:rPr lang="en-US" sz="1200" b="0" i="0" kern="1200" dirty="0" smtClean="0">
+                <a:solidFill>
+                  <a:schemeClr val="tx1"/>
+                </a:solidFill>
+                <a:effectLst/>
+                <a:latin typeface="Arial" pitchFamily="34" charset="0"/>
+                <a:ea typeface="+mn-ea"/>
+                <a:cs typeface="+mn-cs"/>
+              </a:rPr>
+              <a:t>$14,800,000</a:t>
+            </a:r>
+          </a:p>
+          <a:p>
+            <a:r>
+              <a:rPr lang="en-US" dirty="0" smtClean="0">
+                <a:hlinkClick r:id="rId3"/>
+              </a:rPr>
+              <a:t>https://www.kpaengineers.com/portfolio-items/membrane-filtration-plant/</a:t>
+            </a:r>
+            <a:endParaRPr lang="en-US" dirty="0" smtClean="0"/>
+          </a:p>
+          <a:p>
+            <a:r>
+              <a:rPr lang="en-US" sz="1200" b="0" i="0" kern="1200" dirty="0" smtClean="0">
+                <a:solidFill>
+                  <a:schemeClr val="tx1"/>
+                </a:solidFill>
+                <a:effectLst/>
+                <a:latin typeface="Arial" pitchFamily="34" charset="0"/>
+                <a:ea typeface="+mn-ea"/>
+                <a:cs typeface="+mn-cs"/>
+              </a:rPr>
+              <a:t>15 MGD</a:t>
+            </a:r>
+          </a:p>
+          <a:p>
+            <a:r>
+              <a:rPr lang="en-US" sz="1200" b="0" i="0" kern="1200" dirty="0" smtClean="0">
+                <a:solidFill>
+                  <a:schemeClr val="tx1"/>
+                </a:solidFill>
+                <a:effectLst/>
+                <a:latin typeface="Arial" pitchFamily="34" charset="0"/>
+                <a:ea typeface="+mn-ea"/>
+                <a:cs typeface="+mn-cs"/>
+              </a:rPr>
+              <a:t>No pretreatment</a:t>
+            </a:r>
+          </a:p>
+          <a:p>
+            <a:r>
+              <a:rPr lang="en-US" sz="1200" b="0" i="0" kern="1200" dirty="0" smtClean="0">
+                <a:solidFill>
+                  <a:schemeClr val="tx1"/>
+                </a:solidFill>
+                <a:effectLst/>
+                <a:latin typeface="Arial" pitchFamily="34" charset="0"/>
+                <a:ea typeface="+mn-ea"/>
+                <a:cs typeface="+mn-cs"/>
+              </a:rPr>
+              <a:t>$22500 /(L/s)</a:t>
+            </a:r>
+          </a:p>
+          <a:p>
+            <a:endParaRPr lang="en-US" sz="1200" b="0" i="0" kern="1200" dirty="0" smtClean="0">
+              <a:solidFill>
+                <a:schemeClr val="tx1"/>
+              </a:solidFill>
+              <a:effectLst/>
+              <a:latin typeface="Arial" pitchFamily="34" charset="0"/>
+              <a:ea typeface="+mn-ea"/>
+              <a:cs typeface="+mn-cs"/>
+            </a:endParaRPr>
+          </a:p>
+          <a:p>
+            <a:r>
+              <a:rPr lang="en-US" sz="1200" b="0" i="0" kern="1200" dirty="0" err="1" smtClean="0">
+                <a:solidFill>
+                  <a:schemeClr val="tx1"/>
+                </a:solidFill>
+                <a:effectLst/>
+                <a:latin typeface="Arial" pitchFamily="34" charset="0"/>
+                <a:ea typeface="+mn-ea"/>
+                <a:cs typeface="+mn-cs"/>
+              </a:rPr>
+              <a:t>Actuually</a:t>
+            </a:r>
+            <a:r>
+              <a:rPr lang="en-US" sz="1200" b="0" i="0" kern="1200" dirty="0" smtClean="0">
+                <a:solidFill>
+                  <a:schemeClr val="tx1"/>
+                </a:solidFill>
+                <a:effectLst/>
+                <a:latin typeface="Arial" pitchFamily="34" charset="0"/>
+                <a:ea typeface="+mn-ea"/>
+                <a:cs typeface="+mn-cs"/>
+              </a:rPr>
+              <a:t> operates at 11.6 MGD</a:t>
+            </a:r>
+          </a:p>
+          <a:p>
+            <a:endParaRPr lang="en-US" sz="1200" b="0" i="0" kern="1200" dirty="0" smtClean="0">
+              <a:solidFill>
+                <a:schemeClr val="tx1"/>
+              </a:solidFill>
+              <a:effectLst/>
+              <a:latin typeface="Arial" pitchFamily="34" charset="0"/>
+              <a:ea typeface="+mn-ea"/>
+              <a:cs typeface="+mn-cs"/>
+            </a:endParaRPr>
+          </a:p>
+          <a:p>
+            <a:r>
+              <a:rPr lang="en-US" sz="1200" b="1" i="0" kern="1200" dirty="0" smtClean="0">
+                <a:solidFill>
+                  <a:schemeClr val="tx1"/>
+                </a:solidFill>
+                <a:effectLst/>
+                <a:latin typeface="Arial" pitchFamily="34" charset="0"/>
+                <a:ea typeface="+mn-ea"/>
+                <a:cs typeface="+mn-cs"/>
+              </a:rPr>
+              <a:t>Project Description:</a:t>
+            </a:r>
+            <a:r>
+              <a:rPr lang="en-US" sz="1200" b="0" i="0" kern="1200" dirty="0" smtClean="0">
+                <a:solidFill>
+                  <a:schemeClr val="tx1"/>
+                </a:solidFill>
+                <a:effectLst/>
+                <a:latin typeface="Arial" pitchFamily="34" charset="0"/>
+                <a:ea typeface="+mn-ea"/>
+                <a:cs typeface="+mn-cs"/>
+              </a:rPr>
+              <a:t> The City of Temple, Texas owns and operates the 11.6 MGD Membrane Water Treatment Plant. The plant was placed into operation in 2004 and operated as originally designed for the first 12 to 15 months. However, over the past several years the plant has not been able to consistently operate at the design capacity. $590,524 to upgrade the chemical cleaning</a:t>
+            </a:r>
+          </a:p>
+          <a:p>
+            <a:endParaRPr lang="en-US" sz="1200" b="0" i="0" kern="1200" dirty="0" smtClean="0">
+              <a:solidFill>
+                <a:schemeClr val="tx1"/>
+              </a:solidFill>
+              <a:effectLst/>
+              <a:latin typeface="Arial" pitchFamily="34" charset="0"/>
+              <a:ea typeface="+mn-ea"/>
+              <a:cs typeface="+mn-cs"/>
+            </a:endParaRPr>
+          </a:p>
+          <a:p>
+            <a:r>
+              <a:rPr lang="en-US" sz="1200" b="0" i="0" kern="1200" dirty="0" smtClean="0">
+                <a:solidFill>
+                  <a:schemeClr val="tx1"/>
+                </a:solidFill>
+                <a:effectLst/>
+                <a:latin typeface="Arial" pitchFamily="34" charset="0"/>
+                <a:ea typeface="+mn-ea"/>
+                <a:cs typeface="+mn-cs"/>
+              </a:rPr>
+              <a:t>Realized they needed pretreatment in 2008</a:t>
+            </a:r>
+          </a:p>
+          <a:p>
+            <a:r>
+              <a:rPr lang="en-US" sz="1200" b="0" i="0" kern="1200" dirty="0" smtClean="0">
+                <a:solidFill>
+                  <a:schemeClr val="tx1"/>
+                </a:solidFill>
+                <a:effectLst/>
+                <a:latin typeface="Arial" pitchFamily="34" charset="0"/>
+                <a:ea typeface="+mn-ea"/>
+                <a:cs typeface="+mn-cs"/>
+              </a:rPr>
+              <a:t>Flocculation/Sedimentation $2,607,785</a:t>
+            </a:r>
+          </a:p>
+          <a:p>
+            <a:endParaRPr lang="en-US" sz="1200" b="0" i="0" kern="1200" dirty="0" smtClean="0">
+              <a:solidFill>
+                <a:schemeClr val="tx1"/>
+              </a:solidFill>
+              <a:effectLst/>
+              <a:latin typeface="Arial" pitchFamily="34" charset="0"/>
+              <a:ea typeface="+mn-ea"/>
+              <a:cs typeface="+mn-cs"/>
+            </a:endParaRPr>
+          </a:p>
+          <a:p>
+            <a:r>
+              <a:rPr lang="en-US" sz="1200" b="0" i="0" kern="1200" dirty="0" smtClean="0">
+                <a:solidFill>
+                  <a:schemeClr val="tx1"/>
+                </a:solidFill>
+                <a:effectLst/>
+                <a:latin typeface="Arial" pitchFamily="34" charset="0"/>
+                <a:ea typeface="+mn-ea"/>
+                <a:cs typeface="+mn-cs"/>
+              </a:rPr>
+              <a:t>2017 down to 6 </a:t>
+            </a:r>
+            <a:r>
+              <a:rPr lang="en-US" sz="1200" b="0" i="0" kern="1200" dirty="0" err="1" smtClean="0">
+                <a:solidFill>
+                  <a:schemeClr val="tx1"/>
+                </a:solidFill>
+                <a:effectLst/>
+                <a:latin typeface="Arial" pitchFamily="34" charset="0"/>
+                <a:ea typeface="+mn-ea"/>
+                <a:cs typeface="+mn-cs"/>
+              </a:rPr>
+              <a:t>mgd</a:t>
+            </a:r>
+            <a:endParaRPr lang="en-US" dirty="0" smtClean="0"/>
+          </a:p>
+          <a:p>
+            <a:r>
+              <a:rPr lang="en-US" dirty="0" smtClean="0">
+                <a:hlinkClick r:id="rId4"/>
+              </a:rPr>
+              <a:t>http://www.tdtnews.com/news/article_679b5530-a629-11e7-8d69-0ff68a1a883c.html</a:t>
+            </a:r>
+            <a:endParaRPr lang="en-US" dirty="0" smtClean="0"/>
+          </a:p>
+          <a:p>
+            <a:endParaRPr lang="en-US" dirty="0" smtClean="0"/>
+          </a:p>
+          <a:p>
+            <a:r>
+              <a:rPr lang="en-US" dirty="0" smtClean="0"/>
+              <a:t>See </a:t>
+            </a:r>
+            <a:r>
+              <a:rPr lang="en-US" dirty="0" smtClean="0">
+                <a:hlinkClick r:id="rId5"/>
+              </a:rPr>
+              <a:t>https://moralescompany.com/completed-projects/water-treatment-plants</a:t>
+            </a:r>
+            <a:r>
+              <a:rPr lang="en-US" dirty="0" smtClean="0"/>
+              <a:t> for lots of photos</a:t>
+            </a:r>
+            <a:endParaRPr lang="en-US" dirty="0"/>
+          </a:p>
+        </p:txBody>
+      </p:sp>
+      <p:sp>
+        <p:nvSpPr>
+          <p:cNvPr id="4" name="Slide Number Placeholder 3"/>
+          <p:cNvSpPr>
+            <a:spLocks noGrp="1"/>
+          </p:cNvSpPr>
+          <p:nvPr>
+            <p:ph type="sldNum" sz="quarter" idx="10"/>
+          </p:nvPr>
+        </p:nvSpPr>
+        <p:spPr/>
+        <p:txBody>
+          <a:bodyPr/>
+          <a:lstStyle/>
+          <a:p>
+            <a:fld id="{F6B90027-AD36-416E-8B0F-CCCC7E8FF223}" type="slidenum">
+              <a:rPr lang="en-US" smtClean="0"/>
+              <a:pPr/>
+              <a:t>17</a:t>
+            </a:fld>
+            <a:endParaRPr lang="en-US"/>
+          </a:p>
+        </p:txBody>
+      </p:sp>
+    </p:spTree>
+    <p:extLst>
+      <p:ext uri="{BB962C8B-B14F-4D97-AF65-F5344CB8AC3E}">
+        <p14:creationId xmlns:p14="http://schemas.microsoft.com/office/powerpoint/2010/main" val="47174142"/>
+      </p:ext>
+    </p:extLst>
+  </p:cSld>
+  <p:clrMapOvr>
+    <a:masterClrMapping/>
+  </p:clrMapOvr>
+</p:notes>
+</file>
+
+<file path=ppt/notesSlides/notesSlide9.xml><?xml version="1.0" encoding="utf-8"?>
+<p:notes xmlns:a="http://schemas.openxmlformats.org/drawingml/2006/main" xmlns:r="http://schemas.openxmlformats.org/officeDocument/2006/relationships" xmlns:p="http://schemas.openxmlformats.org/presentationml/2006/main">
+  <p:cSld>
+    <p:spTree>
+      <p:nvGrpSpPr>
+        <p:cNvPr id="1" name=""/>
+        <p:cNvGrpSpPr/>
+        <p:nvPr/>
+      </p:nvGrpSpPr>
+      <p:grpSpPr>
+        <a:xfrm>
+          <a:off x="0" y="0"/>
+          <a:ext cx="0" cy="0"/>
+          <a:chOff x="0" y="0"/>
+          <a:chExt cx="0" cy="0"/>
+        </a:xfrm>
+      </p:grpSpPr>
+      <p:sp>
+        <p:nvSpPr>
+          <p:cNvPr id="2" name="Slide Image Placeholder 1"/>
+          <p:cNvSpPr>
+            <a:spLocks noGrp="1" noRot="1" noChangeAspect="1"/>
+          </p:cNvSpPr>
+          <p:nvPr>
+            <p:ph type="sldImg"/>
+          </p:nvPr>
+        </p:nvSpPr>
+        <p:spPr/>
+      </p:sp>
+      <p:sp>
+        <p:nvSpPr>
+          <p:cNvPr id="3" name="Notes Placeholder 2"/>
+          <p:cNvSpPr>
+            <a:spLocks noGrp="1"/>
+          </p:cNvSpPr>
+          <p:nvPr>
+            <p:ph type="body" idx="1"/>
+          </p:nvPr>
+        </p:nvSpPr>
+        <p:spPr/>
+        <p:txBody>
+          <a:bodyPr/>
+          <a:lstStyle/>
+          <a:p>
             <a:pPr marL="0" marR="0" indent="0" algn="l" defTabSz="914400" rtl="0" eaLnBrk="1" fontAlgn="base" latinLnBrk="0" hangingPunct="1">
               <a:lnSpc>
                 <a:spcPct val="100000"/>
@@ -2222,7 +2627,7 @@
             <a:fld id="{F6B90027-AD36-416E-8B0F-CCCC7E8FF223}" type="slidenum">
               <a:rPr lang="en-US" smtClean="0"/>
               <a:pPr/>
-              <a:t>17</a:t>
+              <a:t>18</a:t>
             </a:fld>
             <a:endParaRPr lang="en-US"/>
           </a:p>
@@ -4490,7 +4895,12 @@
             <p:ph type="title"/>
           </p:nvPr>
         </p:nvSpPr>
-        <p:spPr/>
+        <p:spPr>
+          <a:xfrm>
+            <a:off x="457200" y="228600"/>
+            <a:ext cx="8458200" cy="685800"/>
+          </a:xfrm>
+        </p:spPr>
         <p:txBody>
           <a:bodyPr/>
           <a:lstStyle/>
@@ -4526,8 +4936,8 @@
         </p:blipFill>
         <p:spPr bwMode="auto">
           <a:xfrm>
-            <a:off x="342900" y="1143000"/>
-            <a:ext cx="8572500" cy="5715000"/>
+            <a:off x="0" y="990600"/>
+            <a:ext cx="9144000" cy="6096000"/>
           </a:xfrm>
           <a:prstGeom prst="rect">
             <a:avLst/>
@@ -4920,8 +5330,15 @@
           <a:p>
             <a:r>
               <a:rPr lang="en-US" dirty="0" smtClean="0"/>
-              <a:t>Gives a head loss of 2 m</a:t>
-            </a:r>
+              <a:t>Gives a head loss of 2 </a:t>
+            </a:r>
+            <a:r>
+              <a:rPr lang="en-US" dirty="0" smtClean="0"/>
+              <a:t>m (at the low end of typical clean head loss)</a:t>
+            </a:r>
+          </a:p>
+          <a:p>
+            <a:endParaRPr lang="en-US" dirty="0" smtClean="0"/>
           </a:p>
           <a:p>
             <a:pPr marL="0" indent="0">
@@ -5098,27 +5515,19 @@
           <a:p>
             <a:r>
               <a:rPr lang="en-US" dirty="0" smtClean="0"/>
-              <a:t>Both slow sand and membranes can operate without any coagulant</a:t>
-            </a:r>
-          </a:p>
-          <a:p>
+              <a:t>Both slow sand and membranes can operate without any </a:t>
+            </a:r>
             <a:r>
               <a:rPr lang="en-US" dirty="0" smtClean="0"/>
-              <a:t>Slow sand particle removal depends on aluminum!</a:t>
+              <a:t>coagulant</a:t>
             </a:r>
           </a:p>
           <a:p>
             <a:r>
               <a:rPr lang="en-US" dirty="0" smtClean="0"/>
-              <a:t>In a slow sand filter it is called ripening</a:t>
-            </a:r>
-          </a:p>
-          <a:p>
-            <a:r>
-              <a:rPr lang="en-US" dirty="0" smtClean="0"/>
-              <a:t>In a membrane filter it is called fouling?</a:t>
-            </a:r>
-            <a:endParaRPr lang="en-US" dirty="0"/>
+              <a:t>You can’t backwash SSF and you can’t wrap a SSF into a cartridge!</a:t>
+            </a:r>
+            <a:endParaRPr lang="en-US" dirty="0" smtClean="0"/>
           </a:p>
         </p:txBody>
       </p:sp>
@@ -5261,7 +5670,31 @@
               <a:rPr lang="en-US" dirty="0" smtClean="0"/>
               <a:t>area</a:t>
             </a:r>
-            <a:endParaRPr lang="en-US" dirty="0"/>
+          </a:p>
+          <a:p>
+            <a:r>
+              <a:rPr lang="en-US" dirty="0" smtClean="0"/>
+              <a:t>Requires more space</a:t>
+            </a:r>
+            <a:r>
+              <a:rPr lang="en-US" dirty="0"/>
+              <a:t/>
+            </a:r>
+            <a:br>
+              <a:rPr lang="en-US" dirty="0"/>
+            </a:br>
+            <a:r>
+              <a:rPr lang="en-US" dirty="0" smtClean="0"/>
+              <a:t>than </a:t>
+            </a:r>
+            <a:r>
+              <a:rPr lang="en-US" dirty="0" err="1" smtClean="0"/>
+              <a:t>StaRS</a:t>
+            </a:r>
+            <a:r>
+              <a:rPr lang="en-US" dirty="0" smtClean="0"/>
+              <a:t> filters</a:t>
+            </a:r>
           </a:p>
         </p:txBody>
       </p:sp>
@@ -5598,6 +6031,133 @@
           <a:p>
             <a:r>
               <a:rPr lang="en-US" dirty="0" smtClean="0"/>
+              <a:t>Membrane cleaning</a:t>
+            </a:r>
+            <a:endParaRPr lang="en-US" dirty="0"/>
+          </a:p>
+        </p:txBody>
+      </p:sp>
+      <p:sp>
+        <p:nvSpPr>
+          <p:cNvPr id="3" name="Content Placeholder 2"/>
+          <p:cNvSpPr>
+            <a:spLocks noGrp="1"/>
+          </p:cNvSpPr>
+          <p:nvPr>
+            <p:ph idx="1"/>
+          </p:nvPr>
+        </p:nvSpPr>
+        <p:spPr/>
+        <p:txBody>
+          <a:bodyPr/>
+          <a:lstStyle/>
+          <a:p>
+            <a:r>
+              <a:rPr lang="en-US" dirty="0"/>
+              <a:t>Backwash velocities are generally much higher than filtration velocities.  </a:t>
+            </a:r>
+            <a:endParaRPr lang="en-US" dirty="0" smtClean="0"/>
+          </a:p>
+          <a:p>
+            <a:r>
+              <a:rPr lang="en-US" dirty="0" smtClean="0"/>
+              <a:t>Generally </a:t>
+            </a:r>
+            <a:r>
+              <a:rPr lang="en-US" dirty="0"/>
+              <a:t>a high enough velocity to displace the cake in a single pulse is desirable.  </a:t>
+            </a:r>
+            <a:endParaRPr lang="en-US" dirty="0" smtClean="0"/>
+          </a:p>
+          <a:p>
+            <a:r>
+              <a:rPr lang="en-US" dirty="0" smtClean="0"/>
+              <a:t>Total </a:t>
+            </a:r>
+            <a:r>
+              <a:rPr lang="en-US" dirty="0"/>
+              <a:t>volume of </a:t>
+            </a:r>
+            <a:r>
+              <a:rPr lang="en-US" dirty="0" smtClean="0"/>
+              <a:t>backwash must </a:t>
+            </a:r>
+            <a:r>
+              <a:rPr lang="en-US" dirty="0"/>
+              <a:t>be sufficient to move the particles far enough away from the membrane that they </a:t>
+            </a:r>
+            <a:r>
+              <a:rPr lang="en-US" dirty="0" smtClean="0"/>
+              <a:t>are </a:t>
+            </a:r>
+            <a:r>
+              <a:rPr lang="en-US" dirty="0"/>
+              <a:t>not re-entrained when forward flow </a:t>
+            </a:r>
+            <a:r>
+              <a:rPr lang="en-US" dirty="0" smtClean="0"/>
+              <a:t>resumes</a:t>
+            </a:r>
+          </a:p>
+          <a:p>
+            <a:r>
+              <a:rPr lang="en-US" dirty="0" smtClean="0"/>
+              <a:t>Chemicals are added to remove molecules that have entered the pores</a:t>
+            </a:r>
+            <a:endParaRPr lang="en-US" dirty="0"/>
+          </a:p>
+        </p:txBody>
+      </p:sp>
+    </p:spTree>
+    <p:extLst>
+      <p:ext uri="{BB962C8B-B14F-4D97-AF65-F5344CB8AC3E}">
+        <p14:creationId xmlns:p14="http://schemas.microsoft.com/office/powerpoint/2010/main" val="2508638027"/>
+      </p:ext>
+    </p:extLst>
+  </p:cSld>
+  <p:clrMapOvr>
+    <a:masterClrMapping/>
+  </p:clrMapOvr>
+  <p:transition>
+    <p:fade/>
+  </p:transition>
+</p:sld>
+</file>
+
+<file path=ppt/slides/slide17.xml><?xml version="1.0" encoding="utf-8"?>
+<p:sld xmlns:a="http://schemas.openxmlformats.org/drawingml/2006/main" xmlns:r="http://schemas.openxmlformats.org/officeDocument/2006/relationships" xmlns:p="http://schemas.openxmlformats.org/presentationml/2006/main">
+  <p:cSld>
+    <p:spTree>
+      <p:nvGrpSpPr>
+        <p:cNvPr id="1" name=""/>
+        <p:cNvGrpSpPr/>
+        <p:nvPr/>
+      </p:nvGrpSpPr>
+      <p:grpSpPr>
+        <a:xfrm>
+          <a:off x="0" y="0"/>
+          <a:ext cx="0" cy="0"/>
+          <a:chOff x="0" y="0"/>
+          <a:chExt cx="0" cy="0"/>
+        </a:xfrm>
+      </p:grpSpPr>
+      <p:sp>
+        <p:nvSpPr>
+          <p:cNvPr id="2" name="Title 1"/>
+          <p:cNvSpPr>
+            <a:spLocks noGrp="1"/>
+          </p:cNvSpPr>
+          <p:nvPr>
+            <p:ph type="title"/>
+          </p:nvPr>
+        </p:nvSpPr>
+        <p:spPr/>
+        <p:txBody>
+          <a:bodyPr/>
+          <a:lstStyle/>
+          <a:p>
+            <a:r>
+              <a:rPr lang="en-US" dirty="0" smtClean="0"/>
               <a:t>Membrane Story: Temple Texas</a:t>
             </a:r>
             <a:endParaRPr lang="en-US" dirty="0"/>
@@ -5788,101 +6348,6 @@
 </p:sld>
 </file>
 
-<file path=ppt/slides/slide17.xml><?xml version="1.0" encoding="utf-8"?>
-<p:sld xmlns:a="http://schemas.openxmlformats.org/drawingml/2006/main" xmlns:r="http://schemas.openxmlformats.org/officeDocument/2006/relationships" xmlns:p="http://schemas.openxmlformats.org/presentationml/2006/main">
-  <p:cSld>
-    <p:spTree>
-      <p:nvGrpSpPr>
-        <p:cNvPr id="1" name=""/>
-        <p:cNvGrpSpPr/>
-        <p:nvPr/>
-      </p:nvGrpSpPr>
-      <p:grpSpPr>
-        <a:xfrm>
-          <a:off x="0" y="0"/>
-          <a:ext cx="0" cy="0"/>
-          <a:chOff x="0" y="0"/>
-          <a:chExt cx="0" cy="0"/>
-        </a:xfrm>
-      </p:grpSpPr>
-      <p:sp>
-        <p:nvSpPr>
-          <p:cNvPr id="2" name="Title 1"/>
-          <p:cNvSpPr>
-            <a:spLocks noGrp="1"/>
-          </p:cNvSpPr>
-          <p:nvPr>
-            <p:ph type="title"/>
-          </p:nvPr>
-        </p:nvSpPr>
-        <p:spPr/>
-        <p:txBody>
-          <a:bodyPr/>
-          <a:lstStyle/>
-          <a:p>
-            <a:endParaRPr lang="en-US"/>
-          </a:p>
-        </p:txBody>
-      </p:sp>
-      <p:sp>
-        <p:nvSpPr>
-          <p:cNvPr id="3" name="Content Placeholder 2"/>
-          <p:cNvSpPr>
-            <a:spLocks noGrp="1"/>
-          </p:cNvSpPr>
-          <p:nvPr>
-            <p:ph idx="1"/>
-          </p:nvPr>
-        </p:nvSpPr>
-        <p:spPr/>
-        <p:txBody>
-          <a:bodyPr/>
-          <a:lstStyle/>
-          <a:p>
-            <a:endParaRPr lang="en-US"/>
-          </a:p>
-        </p:txBody>
-      </p:sp>
-      <p:pic>
-        <p:nvPicPr>
-          <p:cNvPr id="4" name="Picture 3"/>
-          <p:cNvPicPr>
-            <a:picLocks noChangeAspect="1"/>
-          </p:cNvPicPr>
-          <p:nvPr/>
-        </p:nvPicPr>
-        <p:blipFill>
-          <a:blip r:embed="rId3"/>
-          <a:stretch>
-            <a:fillRect/>
-          </a:stretch>
-        </p:blipFill>
-        <p:spPr>
-          <a:xfrm>
-            <a:off x="-185738" y="-133350"/>
-            <a:ext cx="9515475" cy="7124700"/>
-          </a:xfrm>
-          <a:prstGeom prst="rect">
-            <a:avLst/>
-          </a:prstGeom>
-        </p:spPr>
-      </p:pic>
-    </p:spTree>
-    <p:extLst>
-      <p:ext uri="{BB962C8B-B14F-4D97-AF65-F5344CB8AC3E}">
-        <p14:creationId xmlns:p14="http://schemas.microsoft.com/office/powerpoint/2010/main" val="2045946852"/>
-      </p:ext>
-    </p:extLst>
-  </p:cSld>
-  <p:clrMapOvr>
-    <a:masterClrMapping/>
-  </p:clrMapOvr>
-  <p:transition>
-    <p:fade/>
-  </p:transition>
-</p:sld>
-</file>
-
 <file path=ppt/slides/slide18.xml><?xml version="1.0" encoding="utf-8"?>
 <p:sld xmlns:a="http://schemas.openxmlformats.org/drawingml/2006/main" xmlns:r="http://schemas.openxmlformats.org/officeDocument/2006/relationships" xmlns:p="http://schemas.openxmlformats.org/presentationml/2006/main">
   <p:cSld>
@@ -5915,11 +6380,7 @@
           <a:bodyPr/>
           <a:lstStyle/>
           <a:p>
-            <a:r>
-              <a:rPr lang="en-US" dirty="0" smtClean="0"/>
-              <a:t>What’s missing</a:t>
-            </a:r>
-            <a:endParaRPr lang="en-US" dirty="0"/>
+            <a:endParaRPr lang="en-US"/>
           </a:p>
         </p:txBody>
       </p:sp>
@@ -5938,38 +6399,38 @@
           <a:bodyPr/>
           <a:lstStyle/>
           <a:p>
-            <a:r>
-              <a:rPr lang="en-US" dirty="0" smtClean="0"/>
-              <a:t>What solids concentration can membrane filters handle?</a:t>
-            </a:r>
-          </a:p>
-          <a:p>
-            <a:r>
-              <a:rPr lang="en-US" dirty="0" smtClean="0"/>
-              <a:t>How do coagulant nanoparticles interact with membrane filters?</a:t>
-            </a:r>
-          </a:p>
-          <a:p>
-            <a:r>
-              <a:rPr lang="en-US" dirty="0" smtClean="0"/>
-              <a:t>What is the mechanism responsible for head loss build up?</a:t>
-            </a:r>
-          </a:p>
-          <a:p>
-            <a:r>
-              <a:rPr lang="en-US" dirty="0" smtClean="0"/>
-              <a:t>How do membranes handle dissolved organic matter?</a:t>
-            </a:r>
-          </a:p>
-          <a:p>
-            <a:endParaRPr lang="en-US" dirty="0"/>
+            <a:endParaRPr lang="en-US"/>
           </a:p>
         </p:txBody>
       </p:sp>
+      <p:pic>
+        <p:nvPicPr>
+          <p:cNvPr id="4" name="Picture 3"/>
+          <p:cNvPicPr>
+            <a:picLocks noChangeAspect="1"/>
+          </p:cNvPicPr>
+          <p:nvPr/>
+        </p:nvPicPr>
+        <p:blipFill>
+          <a:blip r:embed="rId3"/>
+          <a:stretch>
+            <a:fillRect/>
+          </a:stretch>
+        </p:blipFill>
+        <p:spPr>
+          <a:xfrm>
+            <a:off x="-185738" y="-133350"/>
+            <a:ext cx="9515475" cy="7124700"/>
+          </a:xfrm>
+          <a:prstGeom prst="rect">
+            <a:avLst/>
+          </a:prstGeom>
+        </p:spPr>
+      </p:pic>
     </p:spTree>
     <p:extLst>
       <p:ext uri="{BB962C8B-B14F-4D97-AF65-F5344CB8AC3E}">
-        <p14:creationId xmlns:p14="http://schemas.microsoft.com/office/powerpoint/2010/main" val="4144791815"/>
+        <p14:creationId xmlns:p14="http://schemas.microsoft.com/office/powerpoint/2010/main" val="2045946852"/>
       </p:ext>
     </p:extLst>
   </p:cSld>
@@ -6016,7 +6477,7 @@
           <a:p>
             <a:r>
               <a:rPr lang="en-US" dirty="0" smtClean="0"/>
-              <a:t>Case 1: load a membrane filter with a clay suspension</a:t>
+              <a:t>What’s missing</a:t>
             </a:r>
             <a:endParaRPr lang="en-US" dirty="0"/>
           </a:p>
@@ -6039,14 +6500,28 @@
           <a:p>
             <a:r>
               <a:rPr lang="en-US" dirty="0" smtClean="0"/>
-              <a:t>What is the head loss as a function of time assuming the clay forms a uniform layer on the membrane? </a:t>
+              <a:t>What solids concentration can membrane filters handle?</a:t>
             </a:r>
           </a:p>
           <a:p>
             <a:r>
               <a:rPr lang="en-US" dirty="0" smtClean="0"/>
-              <a:t>Raw water turbidity = 5 NTU </a:t>
-            </a:r>
+              <a:t>How do coagulant nanoparticles interact with membrane filters?</a:t>
+            </a:r>
+          </a:p>
+          <a:p>
+            <a:r>
+              <a:rPr lang="en-US" dirty="0" smtClean="0"/>
+              <a:t>What is the mechanism responsible for head loss build up?</a:t>
+            </a:r>
+          </a:p>
+          <a:p>
+            <a:r>
+              <a:rPr lang="en-US" dirty="0" smtClean="0"/>
+              <a:t>How do membranes handle dissolved organic matter?</a:t>
+            </a:r>
+          </a:p>
+          <a:p>
             <a:endParaRPr lang="en-US" dirty="0"/>
           </a:p>
         </p:txBody>
@@ -6054,7 +6529,7 @@
     </p:spTree>
     <p:extLst>
       <p:ext uri="{BB962C8B-B14F-4D97-AF65-F5344CB8AC3E}">
-        <p14:creationId xmlns:p14="http://schemas.microsoft.com/office/powerpoint/2010/main" val="1266559490"/>
+        <p14:creationId xmlns:p14="http://schemas.microsoft.com/office/powerpoint/2010/main" val="4144791815"/>
       </p:ext>
     </p:extLst>
   </p:cSld>
@@ -6237,7 +6712,7 @@
           <a:p>
             <a:r>
               <a:rPr lang="en-US" dirty="0" smtClean="0"/>
-              <a:t>Case 2: pore blocking analysis</a:t>
+              <a:t>How would you compare granular filtration vs membranes?</a:t>
             </a:r>
             <a:endParaRPr lang="en-US" dirty="0"/>
           </a:p>
@@ -6260,14 +6735,46 @@
           <a:p>
             <a:r>
               <a:rPr lang="en-US" dirty="0" smtClean="0"/>
-              <a:t>Each clay particle blocks one pore</a:t>
+              <a:t>Concentration of waste stream (and hence fraction of water that must be wasted)</a:t>
             </a:r>
           </a:p>
           <a:p>
             <a:r>
               <a:rPr lang="en-US" dirty="0" smtClean="0"/>
-              <a:t>This causes the velocity through the remaining pores to increase and thus the head loss increases</a:t>
-            </a:r>
+              <a:t>Net velocity (and hence area required)</a:t>
+            </a:r>
+          </a:p>
+          <a:p>
+            <a:r>
+              <a:rPr lang="en-US" dirty="0" smtClean="0"/>
+              <a:t>Useful life (membranes have short lives)</a:t>
+            </a:r>
+          </a:p>
+          <a:p>
+            <a:r>
+              <a:rPr lang="en-US" dirty="0" smtClean="0"/>
+              <a:t>Chemical requirements (membranes require chemical washes) and safe disposal </a:t>
+            </a:r>
+          </a:p>
+          <a:p>
+            <a:r>
+              <a:rPr lang="en-US" dirty="0" smtClean="0"/>
+              <a:t>Capital costs</a:t>
+            </a:r>
+          </a:p>
+          <a:p>
+            <a:r>
+              <a:rPr lang="en-US" dirty="0" smtClean="0"/>
+              <a:t>Membranes produce water with fewer particles!</a:t>
+            </a:r>
+          </a:p>
+          <a:p>
+            <a:endParaRPr lang="en-US" dirty="0" smtClean="0"/>
+          </a:p>
+          <a:p>
+            <a:endParaRPr lang="en-US" dirty="0" smtClean="0"/>
+          </a:p>
+          <a:p>
             <a:endParaRPr lang="en-US" dirty="0"/>
           </a:p>
         </p:txBody>
@@ -6275,7 +6782,7 @@
     </p:spTree>
     <p:extLst>
       <p:ext uri="{BB962C8B-B14F-4D97-AF65-F5344CB8AC3E}">
-        <p14:creationId xmlns:p14="http://schemas.microsoft.com/office/powerpoint/2010/main" val="2236085261"/>
+        <p14:creationId xmlns:p14="http://schemas.microsoft.com/office/powerpoint/2010/main" val="1867914355"/>
       </p:ext>
     </p:extLst>
   </p:cSld>
@@ -6307,7 +6814,7 @@
       </p:grpSpPr>
       <p:sp>
         <p:nvSpPr>
-          <p:cNvPr id="4" name="Title 3"/>
+          <p:cNvPr id="2" name="Title 1"/>
           <p:cNvSpPr>
             <a:spLocks noGrp="1"/>
           </p:cNvSpPr>
@@ -6320,252 +6827,80 @@
           <a:bodyPr/>
           <a:lstStyle/>
           <a:p>
-            <a:endParaRPr lang="en-US"/>
+            <a:r>
+              <a:rPr lang="en-US" dirty="0" smtClean="0"/>
+              <a:t>Case 1: </a:t>
+            </a:r>
+            <a:r>
+              <a:rPr lang="en-US" dirty="0" smtClean="0"/>
+              <a:t>head loss isn’t due to stacking of clay</a:t>
+            </a:r>
+            <a:endParaRPr lang="en-US" dirty="0"/>
           </a:p>
         </p:txBody>
       </p:sp>
       <p:sp>
         <p:nvSpPr>
-          <p:cNvPr id="5" name="TextBox 4"/>
-          <p:cNvSpPr txBox="1"/>
-          <p:nvPr/>
+          <p:cNvPr id="3" name="Content Placeholder 2"/>
+          <p:cNvSpPr>
+            <a:spLocks noGrp="1"/>
+          </p:cNvSpPr>
+          <p:nvPr>
+            <p:ph idx="1"/>
+          </p:nvPr>
         </p:nvSpPr>
-        <p:spPr>
-          <a:xfrm>
-            <a:off x="3657600" y="2299683"/>
-            <a:ext cx="5455340" cy="523220"/>
-          </a:xfrm>
-          <a:prstGeom prst="rect">
-            <a:avLst/>
-          </a:prstGeom>
-          <a:noFill/>
-        </p:spPr>
+        <p:spPr/>
         <p:txBody>
-          <a:bodyPr wrap="none" rtlCol="0">
-            <a:spAutoFit/>
-          </a:bodyPr>
+          <a:bodyPr/>
           <a:lstStyle/>
           <a:p>
             <a:r>
-              <a:rPr lang="en-US" b="0" dirty="0" smtClean="0">
-                <a:latin typeface="+mn-lt"/>
-              </a:rPr>
-              <a:t>Number clay particles per unit area</a:t>
+              <a:rPr lang="en-US" dirty="0" smtClean="0"/>
+              <a:t>Does a clay layer form and cause head loss? </a:t>
+            </a:r>
+            <a:endParaRPr lang="en-US" dirty="0" smtClean="0"/>
+          </a:p>
+          <a:p>
+            <a:r>
+              <a:rPr lang="en-US" dirty="0" smtClean="0"/>
+              <a:t>Raw water turbidity = 5 </a:t>
+            </a:r>
+            <a:r>
+              <a:rPr lang="en-US" dirty="0" smtClean="0"/>
+              <a:t>NTU </a:t>
+            </a:r>
+          </a:p>
+          <a:p>
+            <a:r>
+              <a:rPr lang="en-US" dirty="0" smtClean="0"/>
+              <a:t>Clay layer is about 130 nm after 1 hour!</a:t>
+            </a:r>
+            <a:endParaRPr lang="en-US" dirty="0"/>
+          </a:p>
+          <a:p>
+            <a:r>
+              <a:rPr lang="en-US" dirty="0" smtClean="0"/>
+              <a:t>Thus there isn’t even one layer of clay in one hour</a:t>
+            </a:r>
+          </a:p>
+          <a:p>
+            <a:r>
+              <a:rPr lang="en-US" dirty="0" smtClean="0"/>
+              <a:t>head loss through an incomplete layer of clay would be insignificant</a:t>
+            </a:r>
+          </a:p>
+          <a:p>
+            <a:r>
+              <a:rPr lang="en-US" dirty="0" smtClean="0"/>
+              <a:t>Thus head loss isn’t due to stacking of clay!</a:t>
             </a:r>
           </a:p>
         </p:txBody>
       </p:sp>
-      <p:pic>
-        <p:nvPicPr>
-          <p:cNvPr id="6" name="Picture 5">
-            <a:extLst>
-              <a:ext uri="{FF2B5EF4-FFF2-40B4-BE49-F238E27FC236}">
-                <a16:creationId xmlns:a16="http://schemas.microsoft.com/office/drawing/2014/main" id="{BC87417F-9F54-4CED-B5DA-C9668F2AF47A}"/>
-              </a:ext>
-            </a:extLst>
-          </p:cNvPr>
-          <p:cNvPicPr>
-            <a:picLocks noChangeAspect="1"/>
-          </p:cNvPicPr>
-          <p:nvPr>
-            <p:custDataLst>
-              <p:tags r:id="rId1"/>
-            </p:custDataLst>
-          </p:nvPr>
-        </p:nvPicPr>
-        <p:blipFill>
-          <a:blip r:embed="rId7" cstate="print">
-            <a:extLst>
-              <a:ext uri="{28A0092B-C50C-407E-A947-70E740481C1C}">
-                <a14:useLocalDpi xmlns:a14="http://schemas.microsoft.com/office/drawing/2010/main" val="0"/>
-              </a:ext>
-            </a:extLst>
-          </a:blip>
-          <a:stretch>
-            <a:fillRect/>
-          </a:stretch>
-        </p:blipFill>
-        <p:spPr>
-          <a:xfrm>
-            <a:off x="2308887" y="5300810"/>
-            <a:ext cx="3075429" cy="664152"/>
-          </a:xfrm>
-          <a:prstGeom prst="rect">
-            <a:avLst/>
-          </a:prstGeom>
-        </p:spPr>
-      </p:pic>
-      <p:sp>
-        <p:nvSpPr>
-          <p:cNvPr id="7" name="TextBox 6"/>
-          <p:cNvSpPr txBox="1"/>
-          <p:nvPr/>
-        </p:nvSpPr>
-        <p:spPr>
-          <a:xfrm>
-            <a:off x="4522303" y="3240633"/>
-            <a:ext cx="3047629" cy="523220"/>
-          </a:xfrm>
-          <a:prstGeom prst="rect">
-            <a:avLst/>
-          </a:prstGeom>
-          <a:noFill/>
-        </p:spPr>
-        <p:txBody>
-          <a:bodyPr wrap="none" rtlCol="0">
-            <a:spAutoFit/>
-          </a:bodyPr>
-          <a:lstStyle/>
-          <a:p>
-            <a:r>
-              <a:rPr lang="en-US" b="0" dirty="0" smtClean="0">
-                <a:latin typeface="+mn-lt"/>
-              </a:rPr>
-              <a:t>Pores per unit area</a:t>
-            </a:r>
-          </a:p>
-        </p:txBody>
-      </p:sp>
-      <p:pic>
-        <p:nvPicPr>
-          <p:cNvPr id="9" name="Picture 8"/>
-          <p:cNvPicPr>
-            <a:picLocks noChangeAspect="1"/>
-          </p:cNvPicPr>
-          <p:nvPr>
-            <p:custDataLst>
-              <p:tags r:id="rId2"/>
-            </p:custDataLst>
-          </p:nvPr>
-        </p:nvPicPr>
-        <p:blipFill>
-          <a:blip r:embed="rId8" cstate="print">
-            <a:extLst>
-              <a:ext uri="{28A0092B-C50C-407E-A947-70E740481C1C}">
-                <a14:useLocalDpi xmlns:a14="http://schemas.microsoft.com/office/drawing/2010/main" val="0"/>
-              </a:ext>
-            </a:extLst>
-          </a:blip>
-          <a:stretch>
-            <a:fillRect/>
-          </a:stretch>
-        </p:blipFill>
-        <p:spPr>
-          <a:xfrm>
-            <a:off x="2555796" y="6090106"/>
-            <a:ext cx="4074285" cy="702704"/>
-          </a:xfrm>
-          <a:prstGeom prst="rect">
-            <a:avLst/>
-          </a:prstGeom>
-        </p:spPr>
-      </p:pic>
-      <p:pic>
-        <p:nvPicPr>
-          <p:cNvPr id="10" name="Picture 9"/>
-          <p:cNvPicPr>
-            <a:picLocks noChangeAspect="1"/>
-          </p:cNvPicPr>
-          <p:nvPr>
-            <p:custDataLst>
-              <p:tags r:id="rId3"/>
-            </p:custDataLst>
-          </p:nvPr>
-        </p:nvPicPr>
-        <p:blipFill>
-          <a:blip r:embed="rId9" cstate="print">
-            <a:extLst>
-              <a:ext uri="{28A0092B-C50C-407E-A947-70E740481C1C}">
-                <a14:useLocalDpi xmlns:a14="http://schemas.microsoft.com/office/drawing/2010/main" val="0"/>
-              </a:ext>
-            </a:extLst>
-          </a:blip>
-          <a:stretch>
-            <a:fillRect/>
-          </a:stretch>
-        </p:blipFill>
-        <p:spPr>
-          <a:xfrm>
-            <a:off x="591931" y="2413139"/>
-            <a:ext cx="2505806" cy="296307"/>
-          </a:xfrm>
-          <a:prstGeom prst="rect">
-            <a:avLst/>
-          </a:prstGeom>
-        </p:spPr>
-      </p:pic>
-      <p:pic>
-        <p:nvPicPr>
-          <p:cNvPr id="13" name="Picture 12"/>
-          <p:cNvPicPr>
-            <a:picLocks noChangeAspect="1"/>
-          </p:cNvPicPr>
-          <p:nvPr>
-            <p:custDataLst>
-              <p:tags r:id="rId4"/>
-            </p:custDataLst>
-          </p:nvPr>
-        </p:nvPicPr>
-        <p:blipFill>
-          <a:blip r:embed="rId10" cstate="print">
-            <a:extLst>
-              <a:ext uri="{28A0092B-C50C-407E-A947-70E740481C1C}">
-                <a14:useLocalDpi xmlns:a14="http://schemas.microsoft.com/office/drawing/2010/main" val="0"/>
-              </a:ext>
-            </a:extLst>
-          </a:blip>
-          <a:stretch>
-            <a:fillRect/>
-          </a:stretch>
-        </p:blipFill>
-        <p:spPr>
-          <a:xfrm>
-            <a:off x="704575" y="3389140"/>
-            <a:ext cx="1677245" cy="389589"/>
-          </a:xfrm>
-          <a:prstGeom prst="rect">
-            <a:avLst/>
-          </a:prstGeom>
-        </p:spPr>
-      </p:pic>
-      <p:pic>
-        <p:nvPicPr>
-          <p:cNvPr id="15" name="Picture 14"/>
-          <p:cNvPicPr>
-            <a:picLocks noChangeAspect="1"/>
-          </p:cNvPicPr>
-          <p:nvPr>
-            <p:custDataLst>
-              <p:tags r:id="rId5"/>
-            </p:custDataLst>
-          </p:nvPr>
-        </p:nvPicPr>
-        <p:blipFill>
-          <a:blip r:embed="rId11" cstate="print">
-            <a:extLst>
-              <a:ext uri="{28A0092B-C50C-407E-A947-70E740481C1C}">
-                <a14:useLocalDpi xmlns:a14="http://schemas.microsoft.com/office/drawing/2010/main" val="0"/>
-              </a:ext>
-            </a:extLst>
-          </a:blip>
-          <a:stretch>
-            <a:fillRect/>
-          </a:stretch>
-        </p:blipFill>
-        <p:spPr>
-          <a:xfrm>
-            <a:off x="704575" y="4142742"/>
-            <a:ext cx="3427652" cy="296307"/>
-          </a:xfrm>
-          <a:prstGeom prst="rect">
-            <a:avLst/>
-          </a:prstGeom>
-        </p:spPr>
-      </p:pic>
     </p:spTree>
     <p:extLst>
       <p:ext uri="{BB962C8B-B14F-4D97-AF65-F5344CB8AC3E}">
-        <p14:creationId xmlns:p14="http://schemas.microsoft.com/office/powerpoint/2010/main" val="2420873337"/>
+        <p14:creationId xmlns:p14="http://schemas.microsoft.com/office/powerpoint/2010/main" val="1266559490"/>
       </p:ext>
     </p:extLst>
   </p:cSld>
@@ -6575,13 +6910,120 @@
   <p:transition>
     <p:fade/>
   </p:transition>
-  <p:timing>
-    <p:tnLst>
-      <p:par>
-        <p:cTn id="1" dur="indefinite" restart="never" nodeType="tmRoot"/>
-      </p:par>
-    </p:tnLst>
-  </p:timing>
+</p:sld>
+</file>
+
+<file path=ppt/slides/slide22.xml><?xml version="1.0" encoding="utf-8"?>
+<p:sld xmlns:a="http://schemas.openxmlformats.org/drawingml/2006/main" xmlns:r="http://schemas.openxmlformats.org/officeDocument/2006/relationships" xmlns:p="http://schemas.openxmlformats.org/presentationml/2006/main">
+  <p:cSld>
+    <p:spTree>
+      <p:nvGrpSpPr>
+        <p:cNvPr id="1" name=""/>
+        <p:cNvGrpSpPr/>
+        <p:nvPr/>
+      </p:nvGrpSpPr>
+      <p:grpSpPr>
+        <a:xfrm>
+          <a:off x="0" y="0"/>
+          <a:ext cx="0" cy="0"/>
+          <a:chOff x="0" y="0"/>
+          <a:chExt cx="0" cy="0"/>
+        </a:xfrm>
+      </p:grpSpPr>
+      <p:sp>
+        <p:nvSpPr>
+          <p:cNvPr id="2" name="Title 1"/>
+          <p:cNvSpPr>
+            <a:spLocks noGrp="1"/>
+          </p:cNvSpPr>
+          <p:nvPr>
+            <p:ph type="title"/>
+          </p:nvPr>
+        </p:nvSpPr>
+        <p:spPr/>
+        <p:txBody>
+          <a:bodyPr/>
+          <a:lstStyle/>
+          <a:p>
+            <a:r>
+              <a:rPr lang="en-US" dirty="0" smtClean="0"/>
+              <a:t>Case 2: pore blocking analysis</a:t>
+            </a:r>
+            <a:endParaRPr lang="en-US" dirty="0"/>
+          </a:p>
+        </p:txBody>
+      </p:sp>
+      <p:sp>
+        <p:nvSpPr>
+          <p:cNvPr id="3" name="Content Placeholder 2"/>
+          <p:cNvSpPr>
+            <a:spLocks noGrp="1"/>
+          </p:cNvSpPr>
+          <p:nvPr>
+            <p:ph idx="1"/>
+          </p:nvPr>
+        </p:nvSpPr>
+        <p:spPr/>
+        <p:txBody>
+          <a:bodyPr/>
+          <a:lstStyle/>
+          <a:p>
+            <a:r>
+              <a:rPr lang="en-US" dirty="0" smtClean="0"/>
+              <a:t>Each clay particle blocks </a:t>
+            </a:r>
+            <a:r>
+              <a:rPr lang="en-US" dirty="0" smtClean="0"/>
+              <a:t>one or more pores</a:t>
+            </a:r>
+            <a:endParaRPr lang="en-US" dirty="0" smtClean="0"/>
+          </a:p>
+          <a:p>
+            <a:r>
+              <a:rPr lang="en-US" dirty="0" smtClean="0"/>
+              <a:t>This causes the velocity through the remaining pores to increase and thus the head loss </a:t>
+            </a:r>
+            <a:r>
+              <a:rPr lang="en-US" dirty="0" smtClean="0"/>
+              <a:t>increases</a:t>
+            </a:r>
+          </a:p>
+          <a:p>
+            <a:r>
+              <a:rPr lang="en-US" dirty="0" smtClean="0"/>
+              <a:t>Factor of 5 increase in head loss and hence in velocity during a filter run (guessing)</a:t>
+            </a:r>
+          </a:p>
+          <a:p>
+            <a:r>
+              <a:rPr lang="en-US" dirty="0" smtClean="0"/>
+              <a:t>Thus 1/5 of pores remain open at the end of a run - 80% blocked</a:t>
+            </a:r>
+          </a:p>
+          <a:p>
+            <a:pPr marL="0" indent="0">
+              <a:buNone/>
+            </a:pPr>
+            <a:endParaRPr lang="en-US" dirty="0" smtClean="0"/>
+          </a:p>
+          <a:p>
+            <a:endParaRPr lang="en-US" dirty="0"/>
+          </a:p>
+        </p:txBody>
+      </p:sp>
+    </p:spTree>
+    <p:extLst>
+      <p:ext uri="{BB962C8B-B14F-4D97-AF65-F5344CB8AC3E}">
+        <p14:creationId xmlns:p14="http://schemas.microsoft.com/office/powerpoint/2010/main" val="2236085261"/>
+      </p:ext>
+    </p:extLst>
+  </p:cSld>
+  <p:clrMapOvr>
+    <a:masterClrMapping/>
+  </p:clrMapOvr>
+  <p:transition>
+    <p:fade/>
+  </p:transition>
 </p:sld>
 </file>
 
@@ -9054,8 +9496,21 @@
           <a:p>
             <a:r>
               <a:rPr lang="en-US" dirty="0" smtClean="0"/>
-              <a:t>But at the cost of higher energy and more plastic waste)</a:t>
-            </a:r>
+              <a:t>But at the cost of higher </a:t>
+            </a:r>
+            <a:r>
+              <a:rPr lang="en-US" dirty="0" smtClean="0"/>
+              <a:t>energy, more chemicals, and </a:t>
+            </a:r>
+            <a:r>
+              <a:rPr lang="en-US" dirty="0" smtClean="0"/>
+              <a:t>more plastic </a:t>
+            </a:r>
+            <a:r>
+              <a:rPr lang="en-US" dirty="0" smtClean="0"/>
+              <a:t>waste</a:t>
+            </a:r>
+            <a:endParaRPr lang="en-US" dirty="0" smtClean="0"/>
           </a:p>
           <a:p>
             <a:endParaRPr lang="en-US" dirty="0" smtClean="0"/>
@@ -20919,63 +21374,6 @@
 </p:tagLst>
 </file>
 
-<file path=ppt/tags/tag10.xml><?xml version="1.0" encoding="utf-8"?>
-<p:tagLst xmlns:a="http://schemas.openxmlformats.org/drawingml/2006/main" xmlns:r="http://schemas.openxmlformats.org/officeDocument/2006/relationships" xmlns:p="http://schemas.openxmlformats.org/presentationml/2006/main">
-  <p:tag name="OUTPUTDPI" val="1200"/>
-  <p:tag name="ORIGINALHEIGHT" val="121.5169"/>
-  <p:tag name="ORIGINALWIDTH" val="1027.643"/>
-  <p:tag name="LATEXADDIN" val="\documentclass{article}&#10;\usepackage{amsmath}&#10;\pagestyle{empty}&#10;\begin{document}&#10;$  N_{clogged} = V_a t n_{clay}$&#10;&#10;&#10;\end{document}"/>
-  <p:tag name="IGUANATEXSIZE" val="24"/>
-  <p:tag name="IGUANATEXCURSOR" val="111"/>
-  <p:tag name="TRANSPARENCY" val="True"/>
-  <p:tag name="FILENAME" val=""/>
-  <p:tag name="LATEXENGINEID" val="1"/>
-  <p:tag name="TEMPFOLDER" val="c:\temp\"/>
-  <p:tag name="LATEXFORMHEIGHT" val="312"/>
-  <p:tag name="LATEXFORMWIDTH" val="384"/>
-  <p:tag name="LATEXFORMWRAP" val="True"/>
-  <p:tag name="BITMAPVECTOR" val="0"/>
-</p:tagLst>
-</file>
-
-<file path=ppt/tags/tag11.xml><?xml version="1.0" encoding="utf-8"?>
-<p:tagLst xmlns:a="http://schemas.openxmlformats.org/drawingml/2006/main" xmlns:r="http://schemas.openxmlformats.org/officeDocument/2006/relationships" xmlns:p="http://schemas.openxmlformats.org/presentationml/2006/main">
-  <p:tag name="OUTPUTDPI" val="1200"/>
-  <p:tag name="ORIGINALHEIGHT" val="159.7723"/>
-  <p:tag name="ORIGINALWIDTH" val="687.846"/>
-  <p:tag name="LATEXADDIN" val="\documentclass{article}&#10;\usepackage{amsmath}&#10;\pagestyle{empty}&#10;\begin{document}&#10;$  N_{pores} = \frac{4\phi}{\pi d^2}$&#10;&#10;&#10;\end{document}"/>
-  <p:tag name="IGUANATEXSIZE" val="24"/>
-  <p:tag name="IGUANATEXCURSOR" val="107"/>
-  <p:tag name="TRANSPARENCY" val="True"/>
-  <p:tag name="FILENAME" val=""/>
-  <p:tag name="LATEXENGINEID" val="1"/>
-  <p:tag name="TEMPFOLDER" val="c:\temp\"/>
-  <p:tag name="LATEXFORMHEIGHT" val="312"/>
-  <p:tag name="LATEXFORMWIDTH" val="384"/>
-  <p:tag name="LATEXFORMWRAP" val="True"/>
-  <p:tag name="BITMAPVECTOR" val="0"/>
-</p:tagLst>
-</file>
-
-<file path=ppt/tags/tag12.xml><?xml version="1.0" encoding="utf-8"?>
-<p:tagLst xmlns:a="http://schemas.openxmlformats.org/drawingml/2006/main" xmlns:r="http://schemas.openxmlformats.org/officeDocument/2006/relationships" xmlns:p="http://schemas.openxmlformats.org/presentationml/2006/main">
-  <p:tag name="OUTPUTDPI" val="1200"/>
-  <p:tag name="ORIGINALHEIGHT" val="121.5169"/>
-  <p:tag name="ORIGINALWIDTH" val="1405.696"/>
-  <p:tag name="LATEXADDIN" val="\documentclass{article}&#10;\usepackage{amsmath}&#10;\pagestyle{empty}&#10;\begin{document}&#10;$  N_{open} = N_{pores} - N_{clogged}$&#10;&#10;&#10;\end{document}"/>
-  <p:tag name="IGUANATEXSIZE" val="24"/>
-  <p:tag name="IGUANATEXCURSOR" val="117"/>
-  <p:tag name="TRANSPARENCY" val="True"/>
-  <p:tag name="FILENAME" val=""/>
-  <p:tag name="LATEXENGINEID" val="1"/>
-  <p:tag name="TEMPFOLDER" val="c:\temp\"/>
-  <p:tag name="LATEXFORMHEIGHT" val="312"/>
-  <p:tag name="LATEXFORMWIDTH" val="384"/>
-  <p:tag name="LATEXFORMWRAP" val="True"/>
-  <p:tag name="BITMAPVECTOR" val="0"/>
-</p:tagLst>
-</file>
-
 <file path=ppt/tags/tag2.xml><?xml version="1.0" encoding="utf-8"?>
 <p:tagLst xmlns:a="http://schemas.openxmlformats.org/drawingml/2006/main" xmlns:r="http://schemas.openxmlformats.org/officeDocument/2006/relationships" xmlns:p="http://schemas.openxmlformats.org/presentationml/2006/main">
   <p:tag name="OUTPUTDPI" val="1200"/>
@@ -21082,44 +21480,6 @@
   <p:tag name="TRANSPARENCY" val="True"/>
   <p:tag name="FILENAME" val=""/>
   <p:tag name="LATEXENGINEID" val="1"/>
-  <p:tag name="TEMPFOLDER" val="c:\temp\"/>
-  <p:tag name="LATEXFORMHEIGHT" val="312"/>
-  <p:tag name="LATEXFORMWIDTH" val="384"/>
-  <p:tag name="LATEXFORMWRAP" val="True"/>
-  <p:tag name="BITMAPVECTOR" val="0"/>
-</p:tagLst>
-</file>
-
-<file path=ppt/tags/tag8.xml><?xml version="1.0" encoding="utf-8"?>
-<p:tagLst xmlns:a="http://schemas.openxmlformats.org/drawingml/2006/main" xmlns:r="http://schemas.openxmlformats.org/officeDocument/2006/relationships" xmlns:p="http://schemas.openxmlformats.org/presentationml/2006/main">
-  <p:tag name="OUTPUTDPI" val="1200"/>
-  <p:tag name="ORIGINALHEIGHT" val="284.2145"/>
-  <p:tag name="ORIGINALWIDTH" val="1316.086"/>
-  <p:tag name="LATEXADDIN" val="\documentclass{article}&#10;\usepackage{amsmath}&#10;\pagestyle{empty}&#10;\begin{document}&#10;&#10;$$ h_{\rm{f}} = \frac{32\mu LV}{\rho gD^2} = \frac{128\mu LQ}{\rho g\pi D^4}$$&#10;&#10;&#10;\end{document}"/>
-  <p:tag name="IGUANATEXSIZE" val="23"/>
-  <p:tag name="IGUANATEXCURSOR" val="157"/>
-  <p:tag name="TRANSPARENCY" val="True"/>
-  <p:tag name="FILENAME" val=""/>
-  <p:tag name="LATEXENGINEID" val="0"/>
-  <p:tag name="TEMPFOLDER" val="c:\temp\"/>
-  <p:tag name="LATEXFORMHEIGHT" val="312"/>
-  <p:tag name="LATEXFORMWIDTH" val="384"/>
-  <p:tag name="LATEXFORMWRAP" val="True"/>
-  <p:tag name="BITMAPVECTOR" val="0"/>
-</p:tagLst>
-</file>
-
-<file path=ppt/tags/tag9.xml><?xml version="1.0" encoding="utf-8"?>
-<p:tagLst xmlns:a="http://schemas.openxmlformats.org/drawingml/2006/main" xmlns:r="http://schemas.openxmlformats.org/officeDocument/2006/relationships" xmlns:p="http://schemas.openxmlformats.org/presentationml/2006/main">
-  <p:tag name="OUTPUTDPI" val="1200"/>
-  <p:tag name="ORIGINALHEIGHT" val="300.7124"/>
-  <p:tag name="ORIGINALWIDTH" val="1743.532"/>
-  <p:tag name="LATEXADDIN" val="\documentclass{article}&#10;\usepackage{amsmath}&#10;\pagestyle{empty}&#10;\begin{document}&#10;&#10;$$V_a = \frac{V_{pore}}{\phi}= \frac{h_{\rm{f}}\rho gD^2}{32\phi\mu L} = \frac{\Delta P D^2}{32\phi\mu L} $$&#10;&#10;&#10;\end{document}"/>
-  <p:tag name="IGUANATEXSIZE" val="23"/>
-  <p:tag name="IGUANATEXCURSOR" val="169"/>
-  <p:tag name="TRANSPARENCY" val="True"/>
-  <p:tag name="FILENAME" val=""/>
-  <p:tag name="LATEXENGINEID" val="0"/>
   <p:tag name="TEMPFOLDER" val="c:\temp\"/>
   <p:tag name="LATEXFORMHEIGHT" val="312"/>
   <p:tag name="LATEXFORMWIDTH" val="384"/>
